--- a/Chapter2_Algorithm_Analysis/slides/Chapter2_Algorithm_Analysis.pptx
+++ b/Chapter2_Algorithm_Analysis/slides/Chapter2_Algorithm_Analysis.pptx
@@ -6154,7 +6154,7 @@
           <a:p>
             <a:fld id="{E46FABD4-8113-4726-8979-3F798E899A77}" type="datetimeFigureOut">
               <a:rPr lang="en-US" smtClean="0"/>
-              <a:t>7/18/2022</a:t>
+              <a:t>9/12/2022</a:t>
             </a:fld>
             <a:endParaRPr lang="en-US"/>
           </a:p>
@@ -6352,7 +6352,7 @@
           <a:p>
             <a:fld id="{E46FABD4-8113-4726-8979-3F798E899A77}" type="datetimeFigureOut">
               <a:rPr lang="en-US" smtClean="0"/>
-              <a:t>7/18/2022</a:t>
+              <a:t>9/12/2022</a:t>
             </a:fld>
             <a:endParaRPr lang="en-US"/>
           </a:p>
@@ -6560,7 +6560,7 @@
           <a:p>
             <a:fld id="{E46FABD4-8113-4726-8979-3F798E899A77}" type="datetimeFigureOut">
               <a:rPr lang="en-US" smtClean="0"/>
-              <a:t>7/18/2022</a:t>
+              <a:t>9/12/2022</a:t>
             </a:fld>
             <a:endParaRPr lang="en-US"/>
           </a:p>
@@ -6758,7 +6758,7 @@
           <a:p>
             <a:fld id="{E46FABD4-8113-4726-8979-3F798E899A77}" type="datetimeFigureOut">
               <a:rPr lang="en-US" smtClean="0"/>
-              <a:t>7/18/2022</a:t>
+              <a:t>9/12/2022</a:t>
             </a:fld>
             <a:endParaRPr lang="en-US"/>
           </a:p>
@@ -7033,7 +7033,7 @@
           <a:p>
             <a:fld id="{E46FABD4-8113-4726-8979-3F798E899A77}" type="datetimeFigureOut">
               <a:rPr lang="en-US" smtClean="0"/>
-              <a:t>7/18/2022</a:t>
+              <a:t>9/12/2022</a:t>
             </a:fld>
             <a:endParaRPr lang="en-US"/>
           </a:p>
@@ -7298,7 +7298,7 @@
           <a:p>
             <a:fld id="{E46FABD4-8113-4726-8979-3F798E899A77}" type="datetimeFigureOut">
               <a:rPr lang="en-US" smtClean="0"/>
-              <a:t>7/18/2022</a:t>
+              <a:t>9/12/2022</a:t>
             </a:fld>
             <a:endParaRPr lang="en-US"/>
           </a:p>
@@ -7710,7 +7710,7 @@
           <a:p>
             <a:fld id="{E46FABD4-8113-4726-8979-3F798E899A77}" type="datetimeFigureOut">
               <a:rPr lang="en-US" smtClean="0"/>
-              <a:t>7/18/2022</a:t>
+              <a:t>9/12/2022</a:t>
             </a:fld>
             <a:endParaRPr lang="en-US"/>
           </a:p>
@@ -7851,7 +7851,7 @@
           <a:p>
             <a:fld id="{E46FABD4-8113-4726-8979-3F798E899A77}" type="datetimeFigureOut">
               <a:rPr lang="en-US" smtClean="0"/>
-              <a:t>7/18/2022</a:t>
+              <a:t>9/12/2022</a:t>
             </a:fld>
             <a:endParaRPr lang="en-US"/>
           </a:p>
@@ -7964,7 +7964,7 @@
           <a:p>
             <a:fld id="{E46FABD4-8113-4726-8979-3F798E899A77}" type="datetimeFigureOut">
               <a:rPr lang="en-US" smtClean="0"/>
-              <a:t>7/18/2022</a:t>
+              <a:t>9/12/2022</a:t>
             </a:fld>
             <a:endParaRPr lang="en-US"/>
           </a:p>
@@ -8275,7 +8275,7 @@
           <a:p>
             <a:fld id="{E46FABD4-8113-4726-8979-3F798E899A77}" type="datetimeFigureOut">
               <a:rPr lang="en-US" smtClean="0"/>
-              <a:t>7/18/2022</a:t>
+              <a:t>9/12/2022</a:t>
             </a:fld>
             <a:endParaRPr lang="en-US"/>
           </a:p>
@@ -8563,7 +8563,7 @@
           <a:p>
             <a:fld id="{E46FABD4-8113-4726-8979-3F798E899A77}" type="datetimeFigureOut">
               <a:rPr lang="en-US" smtClean="0"/>
-              <a:t>7/18/2022</a:t>
+              <a:t>9/12/2022</a:t>
             </a:fld>
             <a:endParaRPr lang="en-US"/>
           </a:p>
@@ -8804,7 +8804,7 @@
           <a:p>
             <a:fld id="{E46FABD4-8113-4726-8979-3F798E899A77}" type="datetimeFigureOut">
               <a:rPr lang="en-US" smtClean="0"/>
-              <a:t>7/18/2022</a:t>
+              <a:t>9/12/2022</a:t>
             </a:fld>
             <a:endParaRPr lang="en-US"/>
           </a:p>
@@ -10384,7 +10384,7 @@
             </a:pPr>
             <a:r>
               <a:rPr lang="en-US" dirty="0"/>
-              <a:t>Find the index of a value in a presorted array/vector.</a:t>
+              <a:t>Find the index of a value in an array/vector.</a:t>
             </a:r>
           </a:p>
           <a:p>
@@ -10728,8 +10728,8 @@
           </a:p>
         </p:txBody>
       </p:sp>
-      <mc:AlternateContent xmlns:mc="http://schemas.openxmlformats.org/markup-compatibility/2006" xmlns:a14="http://schemas.microsoft.com/office/drawing/2010/main">
-        <mc:Choice Requires="a14">
+      <mc:AlternateContent xmlns:mc="http://schemas.openxmlformats.org/markup-compatibility/2006">
+        <mc:Choice xmlns:a14="http://schemas.microsoft.com/office/drawing/2010/main" Requires="a14">
           <p:sp>
             <p:nvSpPr>
               <p:cNvPr id="4" name="Content Placeholder 3">
@@ -10778,7 +10778,27 @@
                 </a:pPr>
                 <a:r>
                   <a:rPr lang="en-US" dirty="0"/>
-                  <a:t>Problem size n = size of a represented as high-low.</a:t>
+                  <a:t>Problem size </a:t>
+                </a:r>
+                <a14:m>
+                  <m:oMath xmlns:m="http://schemas.openxmlformats.org/officeDocument/2006/math">
+                    <m:r>
+                      <a:rPr lang="en-US" b="0" i="1" smtClean="0">
+                        <a:latin typeface="Cambria Math" panose="02040503050406030204" pitchFamily="18" charset="0"/>
+                      </a:rPr>
+                      <m:t>𝑛</m:t>
+                    </m:r>
+                    <m:r>
+                      <a:rPr lang="en-US" b="0" i="1" smtClean="0">
+                        <a:latin typeface="Cambria Math" panose="02040503050406030204" pitchFamily="18" charset="0"/>
+                      </a:rPr>
+                      <m:t>=</m:t>
+                    </m:r>
+                  </m:oMath>
+                </a14:m>
+                <a:r>
+                  <a:rPr lang="en-US" dirty="0"/>
+                  <a:t> size of a.</a:t>
                 </a:r>
               </a:p>
               <a:p>
@@ -10790,7 +10810,7 @@
                 </a:pPr>
                 <a:r>
                   <a:rPr lang="en-US" dirty="0"/>
-                  <a:t>Worse case is of we do not find the element x. We have to iterate </a:t>
+                  <a:t>Worse case is if we do not find the element x. We have to iterate </a:t>
                 </a:r>
                 <a14:m>
                   <m:oMath xmlns:m="http://schemas.openxmlformats.org/officeDocument/2006/math">
@@ -10863,7 +10883,7 @@
             </p:txBody>
           </p:sp>
         </mc:Choice>
-        <mc:Fallback xmlns="">
+        <mc:Fallback>
           <p:sp>
             <p:nvSpPr>
               <p:cNvPr id="4" name="Content Placeholder 3">
@@ -10888,7 +10908,7 @@
               <a:blipFill>
                 <a:blip r:embed="rId2"/>
                 <a:stretch>
-                  <a:fillRect l="-2471" t="-2241" r="-1529"/>
+                  <a:fillRect l="-2471" t="-2241" r="-2235"/>
                 </a:stretch>
               </a:blipFill>
             </p:spPr>
@@ -11546,8 +11566,8 @@
           </a:p>
         </p:txBody>
       </p:sp>
-      <mc:AlternateContent xmlns:mc="http://schemas.openxmlformats.org/markup-compatibility/2006" xmlns:a14="http://schemas.microsoft.com/office/drawing/2010/main">
-        <mc:Choice Requires="a14">
+      <mc:AlternateContent xmlns:mc="http://schemas.openxmlformats.org/markup-compatibility/2006">
+        <mc:Choice xmlns:a14="http://schemas.microsoft.com/office/drawing/2010/main" Requires="a14">
           <p:sp>
             <p:nvSpPr>
               <p:cNvPr id="4" name="Content Placeholder 3">
@@ -11605,7 +11625,27 @@
                 </a:pPr>
                 <a:r>
                   <a:rPr lang="en-US" dirty="0"/>
-                  <a:t>Problem size n = size of a represented as high-low.</a:t>
+                  <a:t>Problem size </a:t>
+                </a:r>
+                <a14:m>
+                  <m:oMath xmlns:m="http://schemas.openxmlformats.org/officeDocument/2006/math">
+                    <m:r>
+                      <a:rPr lang="en-US" i="1" dirty="0" smtClean="0">
+                        <a:latin typeface="Cambria Math" panose="02040503050406030204" pitchFamily="18" charset="0"/>
+                      </a:rPr>
+                      <m:t>𝑛</m:t>
+                    </m:r>
+                    <m:r>
+                      <a:rPr lang="en-US" i="1" dirty="0" smtClean="0">
+                        <a:latin typeface="Cambria Math" panose="02040503050406030204" pitchFamily="18" charset="0"/>
+                      </a:rPr>
+                      <m:t> = </m:t>
+                    </m:r>
+                  </m:oMath>
+                </a14:m>
+                <a:r>
+                  <a:rPr lang="en-US" dirty="0"/>
+                  <a:t>size of a.</a:t>
                 </a:r>
               </a:p>
               <a:p>
@@ -11617,7 +11657,7 @@
                 </a:pPr>
                 <a:r>
                   <a:rPr lang="en-US" dirty="0"/>
-                  <a:t>Worse case is of we do not find the element x.</a:t>
+                  <a:t>Worse case is if we do not find the element x.</a:t>
                 </a:r>
               </a:p>
               <a:p>
@@ -11629,7 +11669,7 @@
                 </a:pPr>
                 <a:r>
                   <a:rPr lang="en-US" dirty="0"/>
-                  <a:t>In ever iteration, high-low halves so we get:</a:t>
+                  <a:t>In every iteration, high-low halves so we get:</a:t>
                 </a:r>
                 <a:br>
                   <a:rPr lang="en-US" dirty="0"/>
@@ -11710,11 +11750,42 @@
                       </a:rPr>
                       <m:t>,</m:t>
                     </m:r>
+                    <m:f>
+                      <m:fPr>
+                        <m:ctrlPr>
+                          <a:rPr lang="en-US" i="1" dirty="0">
+                            <a:latin typeface="Cambria Math" panose="02040503050406030204" pitchFamily="18" charset="0"/>
+                          </a:rPr>
+                        </m:ctrlPr>
+                      </m:fPr>
+                      <m:num>
+                        <m:r>
+                          <a:rPr lang="en-US" i="1" dirty="0">
+                            <a:latin typeface="Cambria Math" panose="02040503050406030204" pitchFamily="18" charset="0"/>
+                          </a:rPr>
+                          <m:t>𝑛</m:t>
+                        </m:r>
+                      </m:num>
+                      <m:den>
+                        <m:r>
+                          <a:rPr lang="en-US" b="0" i="1" dirty="0" smtClean="0">
+                            <a:latin typeface="Cambria Math" panose="02040503050406030204" pitchFamily="18" charset="0"/>
+                          </a:rPr>
+                          <m:t>8</m:t>
+                        </m:r>
+                      </m:den>
+                    </m:f>
+                    <m:r>
+                      <a:rPr lang="en-US" b="0" i="1" dirty="0" smtClean="0">
+                        <a:latin typeface="Cambria Math" panose="02040503050406030204" pitchFamily="18" charset="0"/>
+                      </a:rPr>
+                      <m:t>, </m:t>
+                    </m:r>
                     <m:r>
                       <a:rPr lang="en-US" i="1" dirty="0" smtClean="0">
                         <a:latin typeface="Cambria Math" panose="02040503050406030204" pitchFamily="18" charset="0"/>
                       </a:rPr>
-                      <m:t> … 1</m:t>
+                      <m:t>… 1</m:t>
                     </m:r>
                   </m:oMath>
                 </a14:m>
@@ -11732,7 +11803,7 @@
                 </a:pPr>
                 <a:r>
                   <a:rPr lang="en-US" dirty="0"/>
-                  <a:t>It takes </a:t>
+                  <a:t>How many steps (</a:t>
                 </a:r>
                 <a14:m>
                   <m:oMath xmlns:m="http://schemas.openxmlformats.org/officeDocument/2006/math">
@@ -11746,21 +11817,21 @@
                 </a14:m>
                 <a:r>
                   <a:rPr lang="en-US" dirty="0"/>
-                  <a:t> steps to got form </a:t>
+                  <a:t>) does it take to go form </a:t>
                 </a:r>
                 <a14:m>
                   <m:oMath xmlns:m="http://schemas.openxmlformats.org/officeDocument/2006/math">
                     <m:r>
-                      <a:rPr lang="en-US" i="1" dirty="0" smtClean="0">
+                      <a:rPr lang="en-US" b="0" i="1" dirty="0" smtClean="0">
                         <a:latin typeface="Cambria Math" panose="02040503050406030204" pitchFamily="18" charset="0"/>
                       </a:rPr>
-                      <m:t>𝑁</m:t>
+                      <m:t>𝑛</m:t>
                     </m:r>
                   </m:oMath>
                 </a14:m>
                 <a:r>
                   <a:rPr lang="en-US" dirty="0"/>
-                  <a:t> to 1: </a:t>
+                  <a:t> to 1? </a:t>
                 </a:r>
                 <a:br>
                   <a:rPr lang="en-US" i="1" dirty="0">
@@ -12103,7 +12174,7 @@
             </p:txBody>
           </p:sp>
         </mc:Choice>
-        <mc:Fallback xmlns="">
+        <mc:Fallback>
           <p:sp>
             <p:nvSpPr>
               <p:cNvPr id="4" name="Content Placeholder 3">
@@ -13117,8 +13188,8 @@
           </a:p>
         </p:txBody>
       </p:sp>
-      <mc:AlternateContent xmlns:mc="http://schemas.openxmlformats.org/markup-compatibility/2006" xmlns:a14="http://schemas.microsoft.com/office/drawing/2010/main">
-        <mc:Choice Requires="a14">
+      <mc:AlternateContent xmlns:mc="http://schemas.openxmlformats.org/markup-compatibility/2006">
+        <mc:Choice xmlns:a14="http://schemas.microsoft.com/office/drawing/2010/main" Requires="a14">
           <p:sp>
             <p:nvSpPr>
               <p:cNvPr id="6" name="Content Placeholder 5">
@@ -13143,21 +13214,18 @@
             </p:spPr>
             <p:txBody>
               <a:bodyPr anchor="t">
-                <a:normAutofit fontScale="85000" lnSpcReduction="20000"/>
+                <a:normAutofit fontScale="92500" lnSpcReduction="10000"/>
               </a:bodyPr>
               <a:lstStyle/>
               <a:p>
                 <a:r>
                   <a:rPr lang="en-US" sz="1900" dirty="0"/>
-                  <a:t>Better complexity does not mean faster! Complexity analysis ignores constants.</a:t>
+                  <a:t>Better complexity does not mean faster! Complexity analysis ignores constants in the</a:t>
                 </a:r>
                 <a:r>
                   <a:rPr lang="en-US" sz="1900" b="1" dirty="0"/>
-                  <a:t> runtime</a:t>
+                  <a:t> runtime.</a:t>
                 </a:r>
-                <a:endParaRPr lang="en-US" sz="1900" dirty="0"/>
-              </a:p>
-              <a:p>
                 <a:endParaRPr lang="en-US" sz="1900" dirty="0"/>
               </a:p>
               <a:p>
@@ -13167,28 +13235,22 @@
                 </a:r>
                 <a:r>
                   <a:rPr lang="en-US" sz="1900" dirty="0"/>
-                  <a:t> that each operation takes the same amount of time is very strong.</a:t>
+                  <a:t> that each operation takes the same amount of time is very strong Memory access is different for cash memory vs hard drive.</a:t>
                 </a:r>
-              </a:p>
-              <a:p>
-                <a:endParaRPr lang="en-US" sz="1900" dirty="0"/>
               </a:p>
               <a:p>
                 <a:r>
                   <a:rPr lang="en-US" sz="1900" dirty="0"/>
-                  <a:t>Complexity analysis points to the part of the code that would benefit from algorithmic </a:t>
+                  <a:t>Complexity analysis points to the part of the code that would benefit from </a:t>
                 </a:r>
                 <a:r>
                   <a:rPr lang="en-US" sz="1900" b="1" dirty="0"/>
-                  <a:t>optimization</a:t>
+                  <a:t>algorithmic optimization </a:t>
                 </a:r>
                 <a:r>
                   <a:rPr lang="en-US" sz="1900" dirty="0"/>
-                  <a:t>.</a:t>
+                  <a:t>the most.</a:t>
                 </a:r>
-              </a:p>
-              <a:p>
-                <a:endParaRPr lang="en-US" sz="1900" dirty="0"/>
               </a:p>
               <a:p>
                 <a:r>
@@ -13205,16 +13267,13 @@
                 </a:r>
               </a:p>
               <a:p>
-                <a:endParaRPr lang="en-US" sz="1900" dirty="0"/>
-              </a:p>
-              <a:p>
                 <a:r>
                   <a:rPr lang="en-US" sz="1900" b="1" dirty="0"/>
                   <a:t>Big-Oh looks at the worst case. </a:t>
                 </a:r>
                 <a:r>
                   <a:rPr lang="en-US" sz="1900" dirty="0"/>
-                  <a:t>Average case analysis is typically much harder to determine.</a:t>
+                  <a:t>Average case analysis is typically much harder to do.</a:t>
                 </a:r>
               </a:p>
               <a:p>
@@ -13225,10 +13284,13 @@
                 <a14:m>
                   <m:oMath xmlns:m="http://schemas.openxmlformats.org/officeDocument/2006/math">
                     <m:r>
-                      <a:rPr lang="en-US" sz="1900" i="1" dirty="0" smtClean="0">
+                      <m:rPr>
+                        <m:sty m:val="p"/>
+                      </m:rPr>
+                      <a:rPr lang="en-US" sz="1900" b="0" i="0" dirty="0" smtClean="0">
                         <a:latin typeface="Cambria Math" panose="02040503050406030204" pitchFamily="18" charset="0"/>
                       </a:rPr>
-                      <m:t>𝑁</m:t>
+                      <m:t>n</m:t>
                     </m:r>
                   </m:oMath>
                 </a14:m>
@@ -13249,7 +13311,7 @@
             </p:txBody>
           </p:sp>
         </mc:Choice>
-        <mc:Fallback xmlns="">
+        <mc:Fallback>
           <p:sp>
             <p:nvSpPr>
               <p:cNvPr id="6" name="Content Placeholder 5">
@@ -13274,7 +13336,7 @@
               <a:blipFill>
                 <a:blip r:embed="rId2"/>
                 <a:stretch>
-                  <a:fillRect l="-363" t="-1923"/>
+                  <a:fillRect l="-636" t="-2071"/>
                 </a:stretch>
               </a:blipFill>
             </p:spPr>
@@ -15394,8 +15456,8 @@
           </a:p>
         </p:txBody>
       </p:sp>
-      <mc:AlternateContent xmlns:mc="http://schemas.openxmlformats.org/markup-compatibility/2006" xmlns:a14="http://schemas.microsoft.com/office/drawing/2010/main">
-        <mc:Choice Requires="a14">
+      <mc:AlternateContent xmlns:mc="http://schemas.openxmlformats.org/markup-compatibility/2006">
+        <mc:Choice xmlns:a14="http://schemas.microsoft.com/office/drawing/2010/main" Requires="a14">
           <p:sp>
             <p:nvSpPr>
               <p:cNvPr id="3" name="Content Placeholder 2">
@@ -16047,13 +16109,13 @@
                       <a:rPr lang="en-US" i="1" dirty="0" smtClean="0">
                         <a:latin typeface="Cambria Math" panose="02040503050406030204" pitchFamily="18" charset="0"/>
                       </a:rPr>
-                      <m:t>= </m:t>
+                      <m:t>=</m:t>
                     </m:r>
                     <m:r>
-                      <a:rPr lang="en-US" i="1" dirty="0" smtClean="0">
+                      <a:rPr lang="en-US" b="0" i="1" dirty="0" smtClean="0">
                         <a:latin typeface="Cambria Math" panose="02040503050406030204" pitchFamily="18" charset="0"/>
                       </a:rPr>
-                      <m:t>𝑜</m:t>
+                      <m:t>𝑂</m:t>
                     </m:r>
                     <m:d>
                       <m:dPr>
@@ -16303,7 +16365,7 @@
             </p:txBody>
           </p:sp>
         </mc:Choice>
-        <mc:Fallback xmlns="">
+        <mc:Fallback>
           <p:sp>
             <p:nvSpPr>
               <p:cNvPr id="3" name="Content Placeholder 2">
@@ -16405,8 +16467,8 @@
           </a:p>
         </p:txBody>
       </p:sp>
-      <mc:AlternateContent xmlns:mc="http://schemas.openxmlformats.org/markup-compatibility/2006" xmlns:a14="http://schemas.microsoft.com/office/drawing/2010/main">
-        <mc:Choice Requires="a14">
+      <mc:AlternateContent xmlns:mc="http://schemas.openxmlformats.org/markup-compatibility/2006">
+        <mc:Choice xmlns:a14="http://schemas.microsoft.com/office/drawing/2010/main" Requires="a14">
           <p:sp>
             <p:nvSpPr>
               <p:cNvPr id="3" name="Content Placeholder 2">
@@ -16492,7 +16554,7 @@
                                 <a:rPr lang="en-US" b="0" i="1" dirty="0" smtClean="0">
                                   <a:latin typeface="Cambria Math" panose="02040503050406030204" pitchFamily="18" charset="0"/>
                                 </a:rPr>
-                                <m:t>𝑠</m:t>
+                                <m:t>2</m:t>
                               </m:r>
                             </m:e>
                             <m:sup>
@@ -16745,7 +16807,7 @@
             </p:txBody>
           </p:sp>
         </mc:Choice>
-        <mc:Fallback xmlns="">
+        <mc:Fallback>
           <p:sp>
             <p:nvSpPr>
               <p:cNvPr id="3" name="Content Placeholder 2">
@@ -17848,8 +17910,8 @@
           </p:sp>
         </mc:Fallback>
       </mc:AlternateContent>
-      <mc:AlternateContent xmlns:mc="http://schemas.openxmlformats.org/markup-compatibility/2006">
-        <mc:Choice xmlns:a14="http://schemas.microsoft.com/office/drawing/2010/main" Requires="a14">
+      <mc:AlternateContent xmlns:mc="http://schemas.openxmlformats.org/markup-compatibility/2006" xmlns:a14="http://schemas.microsoft.com/office/drawing/2010/main">
+        <mc:Choice Requires="a14">
           <p:sp>
             <p:nvSpPr>
               <p:cNvPr id="4" name="TextBox 3">
@@ -18245,7 +18307,7 @@
             </p:txBody>
           </p:sp>
         </mc:Choice>
-        <mc:Fallback>
+        <mc:Fallback xmlns="">
           <p:sp>
             <p:nvSpPr>
               <p:cNvPr id="4" name="TextBox 3">

--- a/Chapter2_Algorithm_Analysis/slides/Chapter2_Algorithm_Analysis.pptx
+++ b/Chapter2_Algorithm_Analysis/slides/Chapter2_Algorithm_Analysis.pptx
@@ -18,7 +18,9 @@
     <p:sldId id="269" r:id="rId12"/>
     <p:sldId id="266" r:id="rId13"/>
     <p:sldId id="267" r:id="rId14"/>
-    <p:sldId id="264" r:id="rId15"/>
+    <p:sldId id="270" r:id="rId15"/>
+    <p:sldId id="271" r:id="rId16"/>
+    <p:sldId id="264" r:id="rId17"/>
   </p:sldIdLst>
   <p:sldSz cx="12192000" cy="6858000"/>
   <p:notesSz cx="6858000" cy="9144000"/>
@@ -6154,7 +6156,7 @@
           <a:p>
             <a:fld id="{E46FABD4-8113-4726-8979-3F798E899A77}" type="datetimeFigureOut">
               <a:rPr lang="en-US" smtClean="0"/>
-              <a:t>9/12/2022</a:t>
+              <a:t>9/30/2022</a:t>
             </a:fld>
             <a:endParaRPr lang="en-US"/>
           </a:p>
@@ -6352,7 +6354,7 @@
           <a:p>
             <a:fld id="{E46FABD4-8113-4726-8979-3F798E899A77}" type="datetimeFigureOut">
               <a:rPr lang="en-US" smtClean="0"/>
-              <a:t>9/12/2022</a:t>
+              <a:t>9/30/2022</a:t>
             </a:fld>
             <a:endParaRPr lang="en-US"/>
           </a:p>
@@ -6560,7 +6562,7 @@
           <a:p>
             <a:fld id="{E46FABD4-8113-4726-8979-3F798E899A77}" type="datetimeFigureOut">
               <a:rPr lang="en-US" smtClean="0"/>
-              <a:t>9/12/2022</a:t>
+              <a:t>9/30/2022</a:t>
             </a:fld>
             <a:endParaRPr lang="en-US"/>
           </a:p>
@@ -6758,7 +6760,7 @@
           <a:p>
             <a:fld id="{E46FABD4-8113-4726-8979-3F798E899A77}" type="datetimeFigureOut">
               <a:rPr lang="en-US" smtClean="0"/>
-              <a:t>9/12/2022</a:t>
+              <a:t>9/30/2022</a:t>
             </a:fld>
             <a:endParaRPr lang="en-US"/>
           </a:p>
@@ -7033,7 +7035,7 @@
           <a:p>
             <a:fld id="{E46FABD4-8113-4726-8979-3F798E899A77}" type="datetimeFigureOut">
               <a:rPr lang="en-US" smtClean="0"/>
-              <a:t>9/12/2022</a:t>
+              <a:t>9/30/2022</a:t>
             </a:fld>
             <a:endParaRPr lang="en-US"/>
           </a:p>
@@ -7298,7 +7300,7 @@
           <a:p>
             <a:fld id="{E46FABD4-8113-4726-8979-3F798E899A77}" type="datetimeFigureOut">
               <a:rPr lang="en-US" smtClean="0"/>
-              <a:t>9/12/2022</a:t>
+              <a:t>9/30/2022</a:t>
             </a:fld>
             <a:endParaRPr lang="en-US"/>
           </a:p>
@@ -7710,7 +7712,7 @@
           <a:p>
             <a:fld id="{E46FABD4-8113-4726-8979-3F798E899A77}" type="datetimeFigureOut">
               <a:rPr lang="en-US" smtClean="0"/>
-              <a:t>9/12/2022</a:t>
+              <a:t>9/30/2022</a:t>
             </a:fld>
             <a:endParaRPr lang="en-US"/>
           </a:p>
@@ -7851,7 +7853,7 @@
           <a:p>
             <a:fld id="{E46FABD4-8113-4726-8979-3F798E899A77}" type="datetimeFigureOut">
               <a:rPr lang="en-US" smtClean="0"/>
-              <a:t>9/12/2022</a:t>
+              <a:t>9/30/2022</a:t>
             </a:fld>
             <a:endParaRPr lang="en-US"/>
           </a:p>
@@ -7964,7 +7966,7 @@
           <a:p>
             <a:fld id="{E46FABD4-8113-4726-8979-3F798E899A77}" type="datetimeFigureOut">
               <a:rPr lang="en-US" smtClean="0"/>
-              <a:t>9/12/2022</a:t>
+              <a:t>9/30/2022</a:t>
             </a:fld>
             <a:endParaRPr lang="en-US"/>
           </a:p>
@@ -8275,7 +8277,7 @@
           <a:p>
             <a:fld id="{E46FABD4-8113-4726-8979-3F798E899A77}" type="datetimeFigureOut">
               <a:rPr lang="en-US" smtClean="0"/>
-              <a:t>9/12/2022</a:t>
+              <a:t>9/30/2022</a:t>
             </a:fld>
             <a:endParaRPr lang="en-US"/>
           </a:p>
@@ -8563,7 +8565,7 @@
           <a:p>
             <a:fld id="{E46FABD4-8113-4726-8979-3F798E899A77}" type="datetimeFigureOut">
               <a:rPr lang="en-US" smtClean="0"/>
-              <a:t>9/12/2022</a:t>
+              <a:t>9/30/2022</a:t>
             </a:fld>
             <a:endParaRPr lang="en-US"/>
           </a:p>
@@ -8804,7 +8806,7 @@
           <a:p>
             <a:fld id="{E46FABD4-8113-4726-8979-3F798E899A77}" type="datetimeFigureOut">
               <a:rPr lang="en-US" smtClean="0"/>
-              <a:t>9/12/2022</a:t>
+              <a:t>9/30/2022</a:t>
             </a:fld>
             <a:endParaRPr lang="en-US"/>
           </a:p>
@@ -10728,8 +10730,8 @@
           </a:p>
         </p:txBody>
       </p:sp>
-      <mc:AlternateContent xmlns:mc="http://schemas.openxmlformats.org/markup-compatibility/2006">
-        <mc:Choice xmlns:a14="http://schemas.microsoft.com/office/drawing/2010/main" Requires="a14">
+      <mc:AlternateContent xmlns:mc="http://schemas.openxmlformats.org/markup-compatibility/2006" xmlns:a14="http://schemas.microsoft.com/office/drawing/2010/main">
+        <mc:Choice Requires="a14">
           <p:sp>
             <p:nvSpPr>
               <p:cNvPr id="4" name="Content Placeholder 3">
@@ -10883,7 +10885,7 @@
             </p:txBody>
           </p:sp>
         </mc:Choice>
-        <mc:Fallback>
+        <mc:Fallback xmlns="">
           <p:sp>
             <p:nvSpPr>
               <p:cNvPr id="4" name="Content Placeholder 3">
@@ -11566,8 +11568,8 @@
           </a:p>
         </p:txBody>
       </p:sp>
-      <mc:AlternateContent xmlns:mc="http://schemas.openxmlformats.org/markup-compatibility/2006">
-        <mc:Choice xmlns:a14="http://schemas.microsoft.com/office/drawing/2010/main" Requires="a14">
+      <mc:AlternateContent xmlns:mc="http://schemas.openxmlformats.org/markup-compatibility/2006" xmlns:a14="http://schemas.microsoft.com/office/drawing/2010/main">
+        <mc:Choice Requires="a14">
           <p:sp>
             <p:nvSpPr>
               <p:cNvPr id="4" name="Content Placeholder 3">
@@ -12174,7 +12176,7 @@
             </p:txBody>
           </p:sp>
         </mc:Choice>
-        <mc:Fallback>
+        <mc:Fallback xmlns="">
           <p:sp>
             <p:nvSpPr>
               <p:cNvPr id="4" name="Content Placeholder 3">
@@ -12407,6 +12409,997 @@
 </file>
 
 <file path=ppt/slides/slide14.xml><?xml version="1.0" encoding="utf-8"?>
+<p:sld xmlns:a="http://schemas.openxmlformats.org/drawingml/2006/main" xmlns:r="http://schemas.openxmlformats.org/officeDocument/2006/relationships" xmlns:p="http://schemas.openxmlformats.org/presentationml/2006/main">
+  <p:cSld>
+    <p:spTree>
+      <p:nvGrpSpPr>
+        <p:cNvPr id="1" name=""/>
+        <p:cNvGrpSpPr/>
+        <p:nvPr/>
+      </p:nvGrpSpPr>
+      <p:grpSpPr>
+        <a:xfrm>
+          <a:off x="0" y="0"/>
+          <a:ext cx="0" cy="0"/>
+          <a:chOff x="0" y="0"/>
+          <a:chExt cx="0" cy="0"/>
+        </a:xfrm>
+      </p:grpSpPr>
+      <p:sp>
+        <p:nvSpPr>
+          <p:cNvPr id="2" name="Title 1">
+            <a:extLst>
+              <a:ext uri="{FF2B5EF4-FFF2-40B4-BE49-F238E27FC236}">
+                <a16:creationId xmlns:a16="http://schemas.microsoft.com/office/drawing/2014/main" id="{86572A75-793F-72B0-58A7-2E7B888A27ED}"/>
+              </a:ext>
+            </a:extLst>
+          </p:cNvPr>
+          <p:cNvSpPr>
+            <a:spLocks noGrp="1"/>
+          </p:cNvSpPr>
+          <p:nvPr>
+            <p:ph type="title"/>
+          </p:nvPr>
+        </p:nvSpPr>
+        <p:spPr/>
+        <p:txBody>
+          <a:bodyPr>
+            <a:normAutofit/>
+          </a:bodyPr>
+          <a:lstStyle/>
+          <a:p>
+            <a:r>
+              <a:rPr lang="en-US" sz="4000" dirty="0"/>
+              <a:t>Example With More Complicated Problem Size</a:t>
+            </a:r>
+          </a:p>
+        </p:txBody>
+      </p:sp>
+      <p:sp>
+        <p:nvSpPr>
+          <p:cNvPr id="3" name="Content Placeholder 2">
+            <a:extLst>
+              <a:ext uri="{FF2B5EF4-FFF2-40B4-BE49-F238E27FC236}">
+                <a16:creationId xmlns:a16="http://schemas.microsoft.com/office/drawing/2014/main" id="{921B034B-9A5F-8E6B-DAD6-FEE402A7671B}"/>
+              </a:ext>
+            </a:extLst>
+          </p:cNvPr>
+          <p:cNvSpPr>
+            <a:spLocks noGrp="1"/>
+          </p:cNvSpPr>
+          <p:nvPr>
+            <p:ph sz="half" idx="1"/>
+          </p:nvPr>
+        </p:nvSpPr>
+        <p:spPr/>
+        <p:style>
+          <a:lnRef idx="1">
+            <a:schemeClr val="accent4"/>
+          </a:lnRef>
+          <a:fillRef idx="2">
+            <a:schemeClr val="accent4"/>
+          </a:fillRef>
+          <a:effectRef idx="1">
+            <a:schemeClr val="accent4"/>
+          </a:effectRef>
+          <a:fontRef idx="minor">
+            <a:schemeClr val="dk1"/>
+          </a:fontRef>
+        </p:style>
+        <p:txBody>
+          <a:bodyPr/>
+          <a:lstStyle/>
+          <a:p>
+            <a:r>
+              <a:rPr lang="en-US" dirty="0"/>
+              <a:t>Given is a list of numbers:</a:t>
+            </a:r>
+            <a:br>
+              <a:rPr lang="en-US" dirty="0"/>
+            </a:br>
+            <a:br>
+              <a:rPr lang="en-US" dirty="0"/>
+            </a:br>
+            <a:r>
+              <a:rPr lang="en-US" dirty="0"/>
+              <a:t>6, 88, 12, 5, 6 ,7, 93, 8</a:t>
+            </a:r>
+          </a:p>
+          <a:p>
+            <a:endParaRPr lang="en-US" dirty="0"/>
+          </a:p>
+          <a:p>
+            <a:r>
+              <a:rPr lang="en-US" dirty="0"/>
+              <a:t>Check which of another set of numbers is in the list. E.g.,</a:t>
+            </a:r>
+            <a:br>
+              <a:rPr lang="en-US" dirty="0"/>
+            </a:br>
+            <a:br>
+              <a:rPr lang="en-US" dirty="0"/>
+            </a:br>
+            <a:r>
+              <a:rPr lang="en-US" dirty="0"/>
+              <a:t>7, 0, 12</a:t>
+            </a:r>
+          </a:p>
+        </p:txBody>
+      </p:sp>
+      <p:sp>
+        <p:nvSpPr>
+          <p:cNvPr id="5" name="Content Placeholder 3">
+            <a:extLst>
+              <a:ext uri="{FF2B5EF4-FFF2-40B4-BE49-F238E27FC236}">
+                <a16:creationId xmlns:a16="http://schemas.microsoft.com/office/drawing/2014/main" id="{B309BB4D-A41E-7AFB-8AC1-93DDBB02CADC}"/>
+              </a:ext>
+            </a:extLst>
+          </p:cNvPr>
+          <p:cNvSpPr>
+            <a:spLocks noGrp="1"/>
+          </p:cNvSpPr>
+          <p:nvPr>
+            <p:ph sz="half" idx="2"/>
+          </p:nvPr>
+        </p:nvSpPr>
+        <p:spPr>
+          <a:xfrm>
+            <a:off x="6079157" y="1421179"/>
+            <a:ext cx="5181600" cy="5071695"/>
+          </a:xfrm>
+        </p:spPr>
+        <p:txBody>
+          <a:bodyPr>
+            <a:normAutofit/>
+          </a:bodyPr>
+          <a:lstStyle/>
+          <a:p>
+            <a:pPr marL="0" indent="0" algn="ctr">
+              <a:lnSpc>
+                <a:spcPct val="120000"/>
+              </a:lnSpc>
+              <a:buNone/>
+            </a:pPr>
+            <a:endParaRPr lang="en-US" sz="3800" dirty="0"/>
+          </a:p>
+          <a:p>
+            <a:pPr marL="0" indent="0" algn="ctr">
+              <a:lnSpc>
+                <a:spcPct val="120000"/>
+              </a:lnSpc>
+              <a:buNone/>
+            </a:pPr>
+            <a:endParaRPr lang="en-US" sz="3800" dirty="0"/>
+          </a:p>
+          <a:p>
+            <a:pPr marL="0" indent="0" algn="ctr">
+              <a:lnSpc>
+                <a:spcPct val="120000"/>
+              </a:lnSpc>
+              <a:buNone/>
+            </a:pPr>
+            <a:r>
+              <a:rPr lang="en-US" sz="6000" dirty="0"/>
+              <a:t>O(?)</a:t>
+            </a:r>
+            <a:endParaRPr lang="en-US" sz="4800" dirty="0"/>
+          </a:p>
+        </p:txBody>
+      </p:sp>
+    </p:spTree>
+    <p:extLst>
+      <p:ext uri="{BB962C8B-B14F-4D97-AF65-F5344CB8AC3E}">
+        <p14:creationId xmlns:p14="http://schemas.microsoft.com/office/powerpoint/2010/main" val="1785357653"/>
+      </p:ext>
+    </p:extLst>
+  </p:cSld>
+  <p:clrMapOvr>
+    <a:masterClrMapping/>
+  </p:clrMapOvr>
+</p:sld>
+</file>
+
+<file path=ppt/slides/slide15.xml><?xml version="1.0" encoding="utf-8"?>
+<p:sld xmlns:a="http://schemas.openxmlformats.org/drawingml/2006/main" xmlns:r="http://schemas.openxmlformats.org/officeDocument/2006/relationships" xmlns:p="http://schemas.openxmlformats.org/presentationml/2006/main">
+  <p:cSld>
+    <p:spTree>
+      <p:nvGrpSpPr>
+        <p:cNvPr id="1" name=""/>
+        <p:cNvGrpSpPr/>
+        <p:nvPr/>
+      </p:nvGrpSpPr>
+      <p:grpSpPr>
+        <a:xfrm>
+          <a:off x="0" y="0"/>
+          <a:ext cx="0" cy="0"/>
+          <a:chOff x="0" y="0"/>
+          <a:chExt cx="0" cy="0"/>
+        </a:xfrm>
+      </p:grpSpPr>
+      <p:sp>
+        <p:nvSpPr>
+          <p:cNvPr id="2" name="Title 1">
+            <a:extLst>
+              <a:ext uri="{FF2B5EF4-FFF2-40B4-BE49-F238E27FC236}">
+                <a16:creationId xmlns:a16="http://schemas.microsoft.com/office/drawing/2014/main" id="{86572A75-793F-72B0-58A7-2E7B888A27ED}"/>
+              </a:ext>
+            </a:extLst>
+          </p:cNvPr>
+          <p:cNvSpPr>
+            <a:spLocks noGrp="1"/>
+          </p:cNvSpPr>
+          <p:nvPr>
+            <p:ph type="title"/>
+          </p:nvPr>
+        </p:nvSpPr>
+        <p:spPr/>
+        <p:txBody>
+          <a:bodyPr>
+            <a:normAutofit/>
+          </a:bodyPr>
+          <a:lstStyle/>
+          <a:p>
+            <a:r>
+              <a:rPr lang="en-US" sz="4000" dirty="0"/>
+              <a:t>Example With More Complicated Problem Size</a:t>
+            </a:r>
+          </a:p>
+        </p:txBody>
+      </p:sp>
+      <p:sp>
+        <p:nvSpPr>
+          <p:cNvPr id="3" name="Content Placeholder 2">
+            <a:extLst>
+              <a:ext uri="{FF2B5EF4-FFF2-40B4-BE49-F238E27FC236}">
+                <a16:creationId xmlns:a16="http://schemas.microsoft.com/office/drawing/2014/main" id="{921B034B-9A5F-8E6B-DAD6-FEE402A7671B}"/>
+              </a:ext>
+            </a:extLst>
+          </p:cNvPr>
+          <p:cNvSpPr>
+            <a:spLocks noGrp="1"/>
+          </p:cNvSpPr>
+          <p:nvPr>
+            <p:ph sz="half" idx="1"/>
+          </p:nvPr>
+        </p:nvSpPr>
+        <p:spPr>
+          <a:xfrm>
+            <a:off x="838200" y="1825625"/>
+            <a:ext cx="4744453" cy="4351338"/>
+          </a:xfrm>
+        </p:spPr>
+        <p:style>
+          <a:lnRef idx="1">
+            <a:schemeClr val="accent4"/>
+          </a:lnRef>
+          <a:fillRef idx="2">
+            <a:schemeClr val="accent4"/>
+          </a:fillRef>
+          <a:effectRef idx="1">
+            <a:schemeClr val="accent4"/>
+          </a:effectRef>
+          <a:fontRef idx="minor">
+            <a:schemeClr val="dk1"/>
+          </a:fontRef>
+        </p:style>
+        <p:txBody>
+          <a:bodyPr>
+            <a:normAutofit fontScale="92500" lnSpcReduction="20000"/>
+          </a:bodyPr>
+          <a:lstStyle/>
+          <a:p>
+            <a:endParaRPr lang="en-US" dirty="0"/>
+          </a:p>
+          <a:p>
+            <a:r>
+              <a:rPr lang="en-US" dirty="0"/>
+              <a:t>Given is a list of numbers:</a:t>
+            </a:r>
+            <a:br>
+              <a:rPr lang="en-US" dirty="0"/>
+            </a:br>
+            <a:br>
+              <a:rPr lang="en-US" dirty="0"/>
+            </a:br>
+            <a:r>
+              <a:rPr lang="en-US" dirty="0"/>
+              <a:t>6, 88, 12, 5, 6 ,7, 93, 8</a:t>
+            </a:r>
+          </a:p>
+          <a:p>
+            <a:endParaRPr lang="en-US" dirty="0"/>
+          </a:p>
+          <a:p>
+            <a:r>
+              <a:rPr lang="en-US" dirty="0"/>
+              <a:t>Check which of another set of numbers is in the list. E.g.,</a:t>
+            </a:r>
+            <a:br>
+              <a:rPr lang="en-US" dirty="0"/>
+            </a:br>
+            <a:br>
+              <a:rPr lang="en-US" dirty="0"/>
+            </a:br>
+            <a:r>
+              <a:rPr lang="en-US" dirty="0"/>
+              <a:t>7, 0, 12</a:t>
+            </a:r>
+          </a:p>
+        </p:txBody>
+      </p:sp>
+      <mc:AlternateContent xmlns:mc="http://schemas.openxmlformats.org/markup-compatibility/2006">
+        <mc:Choice xmlns:a14="http://schemas.microsoft.com/office/drawing/2010/main" Requires="a14">
+          <p:sp>
+            <p:nvSpPr>
+              <p:cNvPr id="4" name="TextBox 3">
+                <a:extLst>
+                  <a:ext uri="{FF2B5EF4-FFF2-40B4-BE49-F238E27FC236}">
+                    <a16:creationId xmlns:a16="http://schemas.microsoft.com/office/drawing/2014/main" id="{75A1A220-06A2-97CA-8E4D-27866FB46CBF}"/>
+                  </a:ext>
+                </a:extLst>
+              </p:cNvPr>
+              <p:cNvSpPr txBox="1"/>
+              <p:nvPr/>
+            </p:nvSpPr>
+            <p:spPr>
+              <a:xfrm>
+                <a:off x="2050212" y="3152744"/>
+                <a:ext cx="1139927" cy="461665"/>
+              </a:xfrm>
+              <a:prstGeom prst="rect">
+                <a:avLst/>
+              </a:prstGeom>
+              <a:noFill/>
+            </p:spPr>
+            <p:txBody>
+              <a:bodyPr wrap="none" rtlCol="0">
+                <a:spAutoFit/>
+              </a:bodyPr>
+              <a:lstStyle/>
+              <a:p>
+                <a14:m>
+                  <m:oMathPara xmlns:m="http://schemas.openxmlformats.org/officeDocument/2006/math">
+                    <m:oMathParaPr>
+                      <m:jc m:val="centerGroup"/>
+                    </m:oMathParaPr>
+                    <m:oMath xmlns:m="http://schemas.openxmlformats.org/officeDocument/2006/math">
+                      <m:r>
+                        <a:rPr lang="en-US" sz="2400" i="1" dirty="0" smtClean="0">
+                          <a:solidFill>
+                            <a:srgbClr val="FF0000"/>
+                          </a:solidFill>
+                          <a:latin typeface="Cambria Math" panose="02040503050406030204" pitchFamily="18" charset="0"/>
+                        </a:rPr>
+                        <m:t>𝑛</m:t>
+                      </m:r>
+                      <m:r>
+                        <a:rPr lang="en-US" sz="2400" i="1" dirty="0" smtClean="0">
+                          <a:solidFill>
+                            <a:srgbClr val="FF0000"/>
+                          </a:solidFill>
+                          <a:latin typeface="Cambria Math" panose="02040503050406030204" pitchFamily="18" charset="0"/>
+                        </a:rPr>
+                        <m:t> = 8</m:t>
+                      </m:r>
+                    </m:oMath>
+                  </m:oMathPara>
+                </a14:m>
+                <a:endParaRPr lang="en-US" sz="2400" dirty="0">
+                  <a:solidFill>
+                    <a:srgbClr val="FF0000"/>
+                  </a:solidFill>
+                </a:endParaRPr>
+              </a:p>
+            </p:txBody>
+          </p:sp>
+        </mc:Choice>
+        <mc:Fallback>
+          <p:sp>
+            <p:nvSpPr>
+              <p:cNvPr id="4" name="TextBox 3">
+                <a:extLst>
+                  <a:ext uri="{FF2B5EF4-FFF2-40B4-BE49-F238E27FC236}">
+                    <a16:creationId xmlns:a16="http://schemas.microsoft.com/office/drawing/2014/main" id="{75A1A220-06A2-97CA-8E4D-27866FB46CBF}"/>
+                  </a:ext>
+                </a:extLst>
+              </p:cNvPr>
+              <p:cNvSpPr txBox="1">
+                <a:spLocks noRot="1" noChangeAspect="1" noMove="1" noResize="1" noEditPoints="1" noAdjustHandles="1" noChangeArrowheads="1" noChangeShapeType="1" noTextEdit="1"/>
+              </p:cNvSpPr>
+              <p:nvPr/>
+            </p:nvSpPr>
+            <p:spPr>
+              <a:xfrm>
+                <a:off x="2050212" y="3152744"/>
+                <a:ext cx="1139927" cy="461665"/>
+              </a:xfrm>
+              <a:prstGeom prst="rect">
+                <a:avLst/>
+              </a:prstGeom>
+              <a:blipFill>
+                <a:blip r:embed="rId2"/>
+                <a:stretch>
+                  <a:fillRect/>
+                </a:stretch>
+              </a:blipFill>
+            </p:spPr>
+            <p:txBody>
+              <a:bodyPr/>
+              <a:lstStyle/>
+              <a:p>
+                <a:r>
+                  <a:rPr lang="en-US">
+                    <a:noFill/>
+                  </a:rPr>
+                  <a:t> </a:t>
+                </a:r>
+              </a:p>
+            </p:txBody>
+          </p:sp>
+        </mc:Fallback>
+      </mc:AlternateContent>
+      <p:sp>
+        <p:nvSpPr>
+          <p:cNvPr id="5" name="Right Brace 4">
+            <a:extLst>
+              <a:ext uri="{FF2B5EF4-FFF2-40B4-BE49-F238E27FC236}">
+                <a16:creationId xmlns:a16="http://schemas.microsoft.com/office/drawing/2014/main" id="{A326E542-1408-35EE-8DBC-062579DFBCE5}"/>
+              </a:ext>
+            </a:extLst>
+          </p:cNvPr>
+          <p:cNvSpPr/>
+          <p:nvPr/>
+        </p:nvSpPr>
+        <p:spPr>
+          <a:xfrm rot="5400000">
+            <a:off x="2537357" y="1669918"/>
+            <a:ext cx="165639" cy="2941121"/>
+          </a:xfrm>
+          <a:prstGeom prst="rightBrace">
+            <a:avLst/>
+          </a:prstGeom>
+          <a:ln>
+            <a:solidFill>
+              <a:srgbClr val="FF0000"/>
+            </a:solidFill>
+          </a:ln>
+        </p:spPr>
+        <p:style>
+          <a:lnRef idx="1">
+            <a:schemeClr val="accent1"/>
+          </a:lnRef>
+          <a:fillRef idx="0">
+            <a:schemeClr val="accent1"/>
+          </a:fillRef>
+          <a:effectRef idx="0">
+            <a:schemeClr val="accent1"/>
+          </a:effectRef>
+          <a:fontRef idx="minor">
+            <a:schemeClr val="tx1"/>
+          </a:fontRef>
+        </p:style>
+        <p:txBody>
+          <a:bodyPr rtlCol="0" anchor="ctr"/>
+          <a:lstStyle/>
+          <a:p>
+            <a:pPr algn="ctr"/>
+            <a:endParaRPr lang="en-US"/>
+          </a:p>
+        </p:txBody>
+      </p:sp>
+      <mc:AlternateContent xmlns:mc="http://schemas.openxmlformats.org/markup-compatibility/2006">
+        <mc:Choice xmlns:a14="http://schemas.microsoft.com/office/drawing/2010/main" Requires="a14">
+          <p:sp>
+            <p:nvSpPr>
+              <p:cNvPr id="6" name="TextBox 5">
+                <a:extLst>
+                  <a:ext uri="{FF2B5EF4-FFF2-40B4-BE49-F238E27FC236}">
+                    <a16:creationId xmlns:a16="http://schemas.microsoft.com/office/drawing/2014/main" id="{57A5D6C6-1FF1-F27D-DEE3-427E91CE54A3}"/>
+                  </a:ext>
+                </a:extLst>
+              </p:cNvPr>
+              <p:cNvSpPr txBox="1"/>
+              <p:nvPr/>
+            </p:nvSpPr>
+            <p:spPr>
+              <a:xfrm>
+                <a:off x="1017934" y="4839097"/>
+                <a:ext cx="1221680" cy="461665"/>
+              </a:xfrm>
+              <a:prstGeom prst="rect">
+                <a:avLst/>
+              </a:prstGeom>
+              <a:noFill/>
+            </p:spPr>
+            <p:txBody>
+              <a:bodyPr wrap="none" rtlCol="0">
+                <a:spAutoFit/>
+              </a:bodyPr>
+              <a:lstStyle/>
+              <a:p>
+                <a14:m>
+                  <m:oMathPara xmlns:m="http://schemas.openxmlformats.org/officeDocument/2006/math">
+                    <m:oMathParaPr>
+                      <m:jc m:val="centerGroup"/>
+                    </m:oMathParaPr>
+                    <m:oMath xmlns:m="http://schemas.openxmlformats.org/officeDocument/2006/math">
+                      <m:r>
+                        <a:rPr lang="en-US" sz="2400" i="1" dirty="0" smtClean="0">
+                          <a:solidFill>
+                            <a:srgbClr val="FF0000"/>
+                          </a:solidFill>
+                          <a:latin typeface="Cambria Math" panose="02040503050406030204" pitchFamily="18" charset="0"/>
+                        </a:rPr>
+                        <m:t>𝑚</m:t>
+                      </m:r>
+                      <m:r>
+                        <a:rPr lang="en-US" sz="2400" i="1" dirty="0" smtClean="0">
+                          <a:solidFill>
+                            <a:srgbClr val="FF0000"/>
+                          </a:solidFill>
+                          <a:latin typeface="Cambria Math" panose="02040503050406030204" pitchFamily="18" charset="0"/>
+                        </a:rPr>
+                        <m:t> = 3</m:t>
+                      </m:r>
+                    </m:oMath>
+                  </m:oMathPara>
+                </a14:m>
+                <a:endParaRPr lang="en-US" sz="2400" dirty="0">
+                  <a:solidFill>
+                    <a:srgbClr val="FF0000"/>
+                  </a:solidFill>
+                </a:endParaRPr>
+              </a:p>
+            </p:txBody>
+          </p:sp>
+        </mc:Choice>
+        <mc:Fallback>
+          <p:sp>
+            <p:nvSpPr>
+              <p:cNvPr id="6" name="TextBox 5">
+                <a:extLst>
+                  <a:ext uri="{FF2B5EF4-FFF2-40B4-BE49-F238E27FC236}">
+                    <a16:creationId xmlns:a16="http://schemas.microsoft.com/office/drawing/2014/main" id="{57A5D6C6-1FF1-F27D-DEE3-427E91CE54A3}"/>
+                  </a:ext>
+                </a:extLst>
+              </p:cNvPr>
+              <p:cNvSpPr txBox="1">
+                <a:spLocks noRot="1" noChangeAspect="1" noMove="1" noResize="1" noEditPoints="1" noAdjustHandles="1" noChangeArrowheads="1" noChangeShapeType="1" noTextEdit="1"/>
+              </p:cNvSpPr>
+              <p:nvPr/>
+            </p:nvSpPr>
+            <p:spPr>
+              <a:xfrm>
+                <a:off x="1017934" y="4839097"/>
+                <a:ext cx="1221680" cy="461665"/>
+              </a:xfrm>
+              <a:prstGeom prst="rect">
+                <a:avLst/>
+              </a:prstGeom>
+              <a:blipFill>
+                <a:blip r:embed="rId3"/>
+                <a:stretch>
+                  <a:fillRect/>
+                </a:stretch>
+              </a:blipFill>
+            </p:spPr>
+            <p:txBody>
+              <a:bodyPr/>
+              <a:lstStyle/>
+              <a:p>
+                <a:r>
+                  <a:rPr lang="en-US">
+                    <a:noFill/>
+                  </a:rPr>
+                  <a:t> </a:t>
+                </a:r>
+              </a:p>
+            </p:txBody>
+          </p:sp>
+        </mc:Fallback>
+      </mc:AlternateContent>
+      <p:sp>
+        <p:nvSpPr>
+          <p:cNvPr id="7" name="Right Brace 6">
+            <a:extLst>
+              <a:ext uri="{FF2B5EF4-FFF2-40B4-BE49-F238E27FC236}">
+                <a16:creationId xmlns:a16="http://schemas.microsoft.com/office/drawing/2014/main" id="{15A3E41D-5114-EAD9-F736-F0BF7C05485C}"/>
+              </a:ext>
+            </a:extLst>
+          </p:cNvPr>
+          <p:cNvSpPr/>
+          <p:nvPr/>
+        </p:nvSpPr>
+        <p:spPr>
+          <a:xfrm rot="5400000">
+            <a:off x="1545956" y="4373016"/>
+            <a:ext cx="165637" cy="958316"/>
+          </a:xfrm>
+          <a:prstGeom prst="rightBrace">
+            <a:avLst/>
+          </a:prstGeom>
+          <a:ln>
+            <a:solidFill>
+              <a:srgbClr val="FF0000"/>
+            </a:solidFill>
+          </a:ln>
+        </p:spPr>
+        <p:style>
+          <a:lnRef idx="1">
+            <a:schemeClr val="accent1"/>
+          </a:lnRef>
+          <a:fillRef idx="0">
+            <a:schemeClr val="accent1"/>
+          </a:fillRef>
+          <a:effectRef idx="0">
+            <a:schemeClr val="accent1"/>
+          </a:effectRef>
+          <a:fontRef idx="minor">
+            <a:schemeClr val="tx1"/>
+          </a:fontRef>
+        </p:style>
+        <p:txBody>
+          <a:bodyPr rtlCol="0" anchor="ctr"/>
+          <a:lstStyle/>
+          <a:p>
+            <a:pPr algn="ctr"/>
+            <a:endParaRPr lang="en-US"/>
+          </a:p>
+        </p:txBody>
+      </p:sp>
+      <mc:AlternateContent xmlns:mc="http://schemas.openxmlformats.org/markup-compatibility/2006">
+        <mc:Choice xmlns:a14="http://schemas.microsoft.com/office/drawing/2010/main" Requires="a14">
+          <p:sp>
+            <p:nvSpPr>
+              <p:cNvPr id="8" name="Content Placeholder 3">
+                <a:extLst>
+                  <a:ext uri="{FF2B5EF4-FFF2-40B4-BE49-F238E27FC236}">
+                    <a16:creationId xmlns:a16="http://schemas.microsoft.com/office/drawing/2014/main" id="{A53A71EE-7651-0901-0688-E3B1239F6A72}"/>
+                  </a:ext>
+                </a:extLst>
+              </p:cNvPr>
+              <p:cNvSpPr>
+                <a:spLocks noGrp="1"/>
+              </p:cNvSpPr>
+              <p:nvPr>
+                <p:ph sz="half" idx="2"/>
+              </p:nvPr>
+            </p:nvSpPr>
+            <p:spPr>
+              <a:xfrm>
+                <a:off x="6079157" y="1825626"/>
+                <a:ext cx="5181600" cy="4351338"/>
+              </a:xfrm>
+            </p:spPr>
+            <p:txBody>
+              <a:bodyPr>
+                <a:normAutofit fontScale="92500" lnSpcReduction="20000"/>
+              </a:bodyPr>
+              <a:lstStyle/>
+              <a:p>
+                <a:pPr marL="0" indent="0">
+                  <a:lnSpc>
+                    <a:spcPct val="120000"/>
+                  </a:lnSpc>
+                  <a:buNone/>
+                </a:pPr>
+                <a:r>
+                  <a:rPr lang="en-US" sz="2000" b="1" dirty="0"/>
+                  <a:t>Algorithm</a:t>
+                </a:r>
+                <a:r>
+                  <a:rPr lang="en-US" sz="2000" dirty="0"/>
+                  <a:t>: Check </a:t>
+                </a:r>
+                <a14:m>
+                  <m:oMath xmlns:m="http://schemas.openxmlformats.org/officeDocument/2006/math">
+                    <m:r>
+                      <a:rPr lang="en-US" sz="2000" i="1" dirty="0" smtClean="0">
+                        <a:latin typeface="Cambria Math" panose="02040503050406030204" pitchFamily="18" charset="0"/>
+                      </a:rPr>
+                      <m:t>𝑚</m:t>
+                    </m:r>
+                  </m:oMath>
+                </a14:m>
+                <a:r>
+                  <a:rPr lang="en-US" sz="2000" dirty="0"/>
+                  <a:t> times </a:t>
+                </a:r>
+                <a14:m>
+                  <m:oMath xmlns:m="http://schemas.openxmlformats.org/officeDocument/2006/math">
+                    <m:r>
+                      <a:rPr lang="en-US" sz="2000" i="1" dirty="0" smtClean="0">
+                        <a:latin typeface="Cambria Math" panose="02040503050406030204" pitchFamily="18" charset="0"/>
+                      </a:rPr>
+                      <m:t>𝑛</m:t>
+                    </m:r>
+                  </m:oMath>
+                </a14:m>
+                <a:r>
+                  <a:rPr lang="en-US" sz="2000" dirty="0"/>
+                  <a:t> elements (worst case for linear search)</a:t>
+                </a:r>
+              </a:p>
+              <a:p>
+                <a:pPr marL="0" indent="0">
+                  <a:lnSpc>
+                    <a:spcPct val="120000"/>
+                  </a:lnSpc>
+                  <a:buNone/>
+                </a:pPr>
+                <a:endParaRPr lang="en-US" sz="2000" dirty="0"/>
+              </a:p>
+              <a:p>
+                <a:pPr marL="0" indent="0">
+                  <a:lnSpc>
+                    <a:spcPct val="120000"/>
+                  </a:lnSpc>
+                  <a:buNone/>
+                </a:pPr>
+                <a14:m>
+                  <m:oMathPara xmlns:m="http://schemas.openxmlformats.org/officeDocument/2006/math">
+                    <m:oMathParaPr>
+                      <m:jc m:val="centerGroup"/>
+                    </m:oMathParaPr>
+                    <m:oMath xmlns:m="http://schemas.openxmlformats.org/officeDocument/2006/math">
+                      <m:r>
+                        <a:rPr lang="en-US" sz="2000" i="1" dirty="0" smtClean="0">
+                          <a:latin typeface="Cambria Math" panose="02040503050406030204" pitchFamily="18" charset="0"/>
+                        </a:rPr>
+                        <m:t>𝑂</m:t>
+                      </m:r>
+                      <m:r>
+                        <a:rPr lang="en-US" sz="2000" i="1" dirty="0" smtClean="0">
+                          <a:latin typeface="Cambria Math" panose="02040503050406030204" pitchFamily="18" charset="0"/>
+                        </a:rPr>
+                        <m:t>(</m:t>
+                      </m:r>
+                      <m:r>
+                        <a:rPr lang="en-US" sz="2000" i="1" dirty="0" smtClean="0">
+                          <a:latin typeface="Cambria Math" panose="02040503050406030204" pitchFamily="18" charset="0"/>
+                        </a:rPr>
+                        <m:t>𝑛</m:t>
+                      </m:r>
+                      <m:r>
+                        <a:rPr lang="en-US" sz="2000" b="0" i="1" dirty="0" smtClean="0">
+                          <a:latin typeface="Cambria Math" panose="02040503050406030204" pitchFamily="18" charset="0"/>
+                        </a:rPr>
+                        <m:t>×</m:t>
+                      </m:r>
+                      <m:r>
+                        <a:rPr lang="en-US" sz="2000" b="0" i="1" dirty="0" smtClean="0">
+                          <a:latin typeface="Cambria Math" panose="02040503050406030204" pitchFamily="18" charset="0"/>
+                        </a:rPr>
+                        <m:t>𝑚</m:t>
+                      </m:r>
+                      <m:r>
+                        <a:rPr lang="en-US" sz="2000" b="0" i="1" dirty="0" smtClean="0">
+                          <a:latin typeface="Cambria Math" panose="02040503050406030204" pitchFamily="18" charset="0"/>
+                        </a:rPr>
+                        <m:t>) </m:t>
+                      </m:r>
+                    </m:oMath>
+                  </m:oMathPara>
+                </a14:m>
+                <a:endParaRPr lang="en-US" sz="2000" dirty="0"/>
+              </a:p>
+              <a:p>
+                <a:pPr marL="0" indent="0">
+                  <a:lnSpc>
+                    <a:spcPct val="120000"/>
+                  </a:lnSpc>
+                  <a:buNone/>
+                </a:pPr>
+                <a:endParaRPr lang="en-US" sz="2000" dirty="0"/>
+              </a:p>
+              <a:p>
+                <a:pPr marL="0" indent="0">
+                  <a:lnSpc>
+                    <a:spcPct val="120000"/>
+                  </a:lnSpc>
+                  <a:buNone/>
+                </a:pPr>
+                <a:r>
+                  <a:rPr lang="en-US" sz="2000" dirty="0"/>
+                  <a:t>If </a:t>
+                </a:r>
+                <a14:m>
+                  <m:oMath xmlns:m="http://schemas.openxmlformats.org/officeDocument/2006/math">
+                    <m:r>
+                      <a:rPr lang="en-US" sz="2000" b="0" i="1" smtClean="0">
+                        <a:latin typeface="Cambria Math" panose="02040503050406030204" pitchFamily="18" charset="0"/>
+                      </a:rPr>
+                      <m:t>𝑛</m:t>
+                    </m:r>
+                    <m:r>
+                      <a:rPr lang="en-US" sz="2000" b="0" i="1" smtClean="0">
+                        <a:latin typeface="Cambria Math" panose="02040503050406030204" pitchFamily="18" charset="0"/>
+                      </a:rPr>
+                      <m:t>≫</m:t>
+                    </m:r>
+                    <m:r>
+                      <a:rPr lang="en-US" sz="2000" b="0" i="1" smtClean="0">
+                        <a:latin typeface="Cambria Math" panose="02040503050406030204" pitchFamily="18" charset="0"/>
+                      </a:rPr>
+                      <m:t>𝑚</m:t>
+                    </m:r>
+                  </m:oMath>
+                </a14:m>
+                <a:r>
+                  <a:rPr lang="en-US" sz="2000" dirty="0"/>
+                  <a:t> then we could also say:</a:t>
+                </a:r>
+              </a:p>
+              <a:p>
+                <a:pPr marL="0" indent="0">
+                  <a:lnSpc>
+                    <a:spcPct val="120000"/>
+                  </a:lnSpc>
+                  <a:buNone/>
+                </a:pPr>
+                <a:endParaRPr lang="en-US" sz="2000" dirty="0"/>
+              </a:p>
+              <a:p>
+                <a:pPr marL="0" indent="0" algn="ctr">
+                  <a:lnSpc>
+                    <a:spcPct val="120000"/>
+                  </a:lnSpc>
+                  <a:buNone/>
+                </a:pPr>
+                <a14:m>
+                  <m:oMathPara xmlns:m="http://schemas.openxmlformats.org/officeDocument/2006/math">
+                    <m:oMathParaPr>
+                      <m:jc m:val="centerGroup"/>
+                    </m:oMathParaPr>
+                    <m:oMath xmlns:m="http://schemas.openxmlformats.org/officeDocument/2006/math">
+                      <m:r>
+                        <a:rPr lang="en-US" sz="2000" i="1" dirty="0" smtClean="0">
+                          <a:latin typeface="Cambria Math" panose="02040503050406030204" pitchFamily="18" charset="0"/>
+                        </a:rPr>
+                        <m:t>𝑂</m:t>
+                      </m:r>
+                      <m:r>
+                        <a:rPr lang="en-US" sz="2000" i="1" dirty="0" smtClean="0">
+                          <a:latin typeface="Cambria Math" panose="02040503050406030204" pitchFamily="18" charset="0"/>
+                        </a:rPr>
+                        <m:t>(</m:t>
+                      </m:r>
+                      <m:sSup>
+                        <m:sSupPr>
+                          <m:ctrlPr>
+                            <a:rPr lang="en-US" sz="2000" b="0" i="1" dirty="0" smtClean="0">
+                              <a:latin typeface="Cambria Math" panose="02040503050406030204" pitchFamily="18" charset="0"/>
+                            </a:rPr>
+                          </m:ctrlPr>
+                        </m:sSupPr>
+                        <m:e>
+                          <m:r>
+                            <a:rPr lang="en-US" sz="2000" i="1" dirty="0" smtClean="0">
+                              <a:latin typeface="Cambria Math" panose="02040503050406030204" pitchFamily="18" charset="0"/>
+                            </a:rPr>
+                            <m:t>𝑛</m:t>
+                          </m:r>
+                        </m:e>
+                        <m:sup>
+                          <m:r>
+                            <a:rPr lang="en-US" sz="2000" b="0" i="1" dirty="0" smtClean="0">
+                              <a:latin typeface="Cambria Math" panose="02040503050406030204" pitchFamily="18" charset="0"/>
+                            </a:rPr>
+                            <m:t>2</m:t>
+                          </m:r>
+                        </m:sup>
+                      </m:sSup>
+                      <m:r>
+                        <a:rPr lang="en-US" sz="2000" b="0" i="1" dirty="0" smtClean="0">
+                          <a:latin typeface="Cambria Math" panose="02040503050406030204" pitchFamily="18" charset="0"/>
+                        </a:rPr>
+                        <m:t>)</m:t>
+                      </m:r>
+                    </m:oMath>
+                  </m:oMathPara>
+                </a14:m>
+                <a:endParaRPr lang="en-US" sz="2000" dirty="0"/>
+              </a:p>
+              <a:p>
+                <a:pPr marL="0" indent="0" algn="ctr">
+                  <a:lnSpc>
+                    <a:spcPct val="120000"/>
+                  </a:lnSpc>
+                  <a:buNone/>
+                </a:pPr>
+                <a:endParaRPr lang="en-US" sz="2000" dirty="0"/>
+              </a:p>
+              <a:p>
+                <a:pPr marL="0" indent="0">
+                  <a:lnSpc>
+                    <a:spcPct val="120000"/>
+                  </a:lnSpc>
+                  <a:buNone/>
+                </a:pPr>
+                <a:r>
+                  <a:rPr lang="en-US" sz="2000" b="1" dirty="0"/>
+                  <a:t>Note</a:t>
+                </a:r>
+                <a:r>
+                  <a:rPr lang="en-US" sz="2000" dirty="0"/>
+                  <a:t>: Sorting the first list and then using binary search would be a better idea if </a:t>
+                </a:r>
+                <a14:m>
+                  <m:oMath xmlns:m="http://schemas.openxmlformats.org/officeDocument/2006/math">
+                    <m:r>
+                      <a:rPr lang="en-US" sz="2000" i="1" dirty="0" smtClean="0">
+                        <a:latin typeface="Cambria Math" panose="02040503050406030204" pitchFamily="18" charset="0"/>
+                      </a:rPr>
+                      <m:t>𝑚</m:t>
+                    </m:r>
+                  </m:oMath>
+                </a14:m>
+                <a:r>
+                  <a:rPr lang="en-US" sz="2000" dirty="0"/>
+                  <a:t> is large.</a:t>
+                </a:r>
+              </a:p>
+            </p:txBody>
+          </p:sp>
+        </mc:Choice>
+        <mc:Fallback>
+          <p:sp>
+            <p:nvSpPr>
+              <p:cNvPr id="8" name="Content Placeholder 3">
+                <a:extLst>
+                  <a:ext uri="{FF2B5EF4-FFF2-40B4-BE49-F238E27FC236}">
+                    <a16:creationId xmlns:a16="http://schemas.microsoft.com/office/drawing/2014/main" id="{A53A71EE-7651-0901-0688-E3B1239F6A72}"/>
+                  </a:ext>
+                </a:extLst>
+              </p:cNvPr>
+              <p:cNvSpPr>
+                <a:spLocks noGrp="1" noRot="1" noChangeAspect="1" noMove="1" noResize="1" noEditPoints="1" noAdjustHandles="1" noChangeArrowheads="1" noChangeShapeType="1" noTextEdit="1"/>
+              </p:cNvSpPr>
+              <p:nvPr>
+                <p:ph sz="half" idx="2"/>
+              </p:nvPr>
+            </p:nvSpPr>
+            <p:spPr>
+              <a:xfrm>
+                <a:off x="6079157" y="1825626"/>
+                <a:ext cx="5181600" cy="4351338"/>
+              </a:xfrm>
+              <a:blipFill>
+                <a:blip r:embed="rId4"/>
+                <a:stretch>
+                  <a:fillRect l="-1059" t="-700"/>
+                </a:stretch>
+              </a:blipFill>
+            </p:spPr>
+            <p:txBody>
+              <a:bodyPr/>
+              <a:lstStyle/>
+              <a:p>
+                <a:r>
+                  <a:rPr lang="en-US">
+                    <a:noFill/>
+                  </a:rPr>
+                  <a:t> </a:t>
+                </a:r>
+              </a:p>
+            </p:txBody>
+          </p:sp>
+        </mc:Fallback>
+      </mc:AlternateContent>
+    </p:spTree>
+    <p:extLst>
+      <p:ext uri="{BB962C8B-B14F-4D97-AF65-F5344CB8AC3E}">
+        <p14:creationId xmlns:p14="http://schemas.microsoft.com/office/powerpoint/2010/main" val="1005960189"/>
+      </p:ext>
+    </p:extLst>
+  </p:cSld>
+  <p:clrMapOvr>
+    <a:masterClrMapping/>
+  </p:clrMapOvr>
+</p:sld>
+</file>
+
+<file path=ppt/slides/slide16.xml><?xml version="1.0" encoding="utf-8"?>
 <p:sld xmlns:a="http://schemas.openxmlformats.org/drawingml/2006/main" xmlns:r="http://schemas.openxmlformats.org/officeDocument/2006/relationships" xmlns:p="http://schemas.openxmlformats.org/presentationml/2006/main">
   <p:cSld>
     <p:bg>
@@ -13214,34 +14207,13 @@
             </p:spPr>
             <p:txBody>
               <a:bodyPr anchor="t">
-                <a:normAutofit fontScale="92500" lnSpcReduction="10000"/>
+                <a:normAutofit fontScale="85000" lnSpcReduction="10000"/>
               </a:bodyPr>
               <a:lstStyle/>
               <a:p>
                 <a:r>
                   <a:rPr lang="en-US" sz="1900" dirty="0"/>
-                  <a:t>Better complexity does not mean faster! Complexity analysis ignores constants in the</a:t>
-                </a:r>
-                <a:r>
-                  <a:rPr lang="en-US" sz="1900" b="1" dirty="0"/>
-                  <a:t> runtime.</a:t>
-                </a:r>
-                <a:endParaRPr lang="en-US" sz="1900" dirty="0"/>
-              </a:p>
-              <a:p>
-                <a:r>
-                  <a:rPr lang="en-US" sz="1900" b="1" dirty="0"/>
-                  <a:t>Assumption</a:t>
-                </a:r>
-                <a:r>
-                  <a:rPr lang="en-US" sz="1900" dirty="0"/>
-                  <a:t> that each operation takes the same amount of time is very strong Memory access is different for cash memory vs hard drive.</a:t>
-                </a:r>
-              </a:p>
-              <a:p>
-                <a:r>
-                  <a:rPr lang="en-US" sz="1900" dirty="0"/>
-                  <a:t>Complexity analysis points to the part of the code that would benefit from </a:t>
+                  <a:t>Complexity analysis points to the part of the code (algorithms and data structures) that would benefit from </a:t>
                 </a:r>
                 <a:r>
                   <a:rPr lang="en-US" sz="1900" b="1" dirty="0"/>
@@ -13254,32 +14226,12 @@
               </a:p>
               <a:p>
                 <a:r>
-                  <a:rPr lang="en-US" sz="1900" dirty="0"/>
-                  <a:t>Complexity analysis looks at the </a:t>
-                </a:r>
-                <a:r>
                   <a:rPr lang="en-US" sz="1900" b="1" dirty="0"/>
-                  <a:t>algorithm</a:t>
+                  <a:t>Space complexity </a:t>
                 </a:r>
                 <a:r>
                   <a:rPr lang="en-US" sz="1900" dirty="0"/>
-                  <a:t> and bad implementations (e.g., copying arrays unnecessarily)  may lead to worse run time.</a:t>
-                </a:r>
-              </a:p>
-              <a:p>
-                <a:r>
-                  <a:rPr lang="en-US" sz="1900" b="1" dirty="0"/>
-                  <a:t>Big-Oh looks at the worst case. </a:t>
-                </a:r>
-                <a:r>
-                  <a:rPr lang="en-US" sz="1900" dirty="0"/>
-                  <a:t>Average case analysis is typically much harder to do.</a:t>
-                </a:r>
-              </a:p>
-              <a:p>
-                <a:r>
-                  <a:rPr lang="en-US" sz="1900" dirty="0"/>
-                  <a:t>Space complexity analysis looks at how the memory need grows with </a:t>
+                  <a:t>analysis looks at how the memory need grows with </a:t>
                 </a:r>
                 <a14:m>
                   <m:oMath xmlns:m="http://schemas.openxmlformats.org/officeDocument/2006/math">
@@ -13303,10 +14255,58 @@
                 <a:endParaRPr lang="en-US" sz="1900" dirty="0"/>
               </a:p>
               <a:p>
+                <a:pPr marL="0" indent="0">
+                  <a:buNone/>
+                </a:pPr>
+                <a:r>
+                  <a:rPr lang="en-US" sz="1900" dirty="0"/>
+                  <a:t>Note:</a:t>
+                </a:r>
+              </a:p>
+              <a:p>
+                <a:r>
+                  <a:rPr lang="en-US" sz="1900" dirty="0"/>
+                  <a:t>Better complexity does not mean faster! Complexity analysis ignores potentially large constants and factors in the</a:t>
+                </a:r>
+                <a:r>
+                  <a:rPr lang="en-US" sz="1900" b="1" dirty="0"/>
+                  <a:t> runtime.</a:t>
+                </a:r>
+              </a:p>
+              <a:p>
+                <a:r>
+                  <a:rPr lang="en-US" sz="1900" b="1" dirty="0"/>
+                  <a:t>Big-Oh looks at the worst case. </a:t>
+                </a:r>
+                <a:r>
+                  <a:rPr lang="en-US" sz="1900"/>
+                  <a:t>Average case analysis is typically much harder to do.</a:t>
+                </a:r>
                 <a:endParaRPr lang="en-US" sz="1900" dirty="0"/>
               </a:p>
               <a:p>
-                <a:endParaRPr lang="en-US" sz="1900" dirty="0"/>
+                <a:r>
+                  <a:rPr lang="en-US" sz="1900" b="1" dirty="0"/>
+                  <a:t>Assumption</a:t>
+                </a:r>
+                <a:r>
+                  <a:rPr lang="en-US" sz="1900" dirty="0"/>
+                  <a:t> that each operation takes the same amount of time is very strong. Memory access is different for cash memory vs hard drive.</a:t>
+                </a:r>
+              </a:p>
+              <a:p>
+                <a:r>
+                  <a:rPr lang="en-US" sz="1900" dirty="0"/>
+                  <a:t>Complexity analysis looks at the </a:t>
+                </a:r>
+                <a:r>
+                  <a:rPr lang="en-US" sz="1900" b="1" dirty="0"/>
+                  <a:t>algorithm</a:t>
+                </a:r>
+                <a:r>
+                  <a:rPr lang="en-US" sz="1900" dirty="0"/>
+                  <a:t> and bad implementations (e.g., copying arrays unnecessarily)  may lead to worse run time.</a:t>
+                </a:r>
               </a:p>
             </p:txBody>
           </p:sp>
@@ -13336,7 +14336,7 @@
               <a:blipFill>
                 <a:blip r:embed="rId2"/>
                 <a:stretch>
-                  <a:fillRect l="-636" t="-2071"/>
+                  <a:fillRect l="-545" t="-1479"/>
                 </a:stretch>
               </a:blipFill>
             </p:spPr>
@@ -15456,8 +16456,8 @@
           </a:p>
         </p:txBody>
       </p:sp>
-      <mc:AlternateContent xmlns:mc="http://schemas.openxmlformats.org/markup-compatibility/2006">
-        <mc:Choice xmlns:a14="http://schemas.microsoft.com/office/drawing/2010/main" Requires="a14">
+      <mc:AlternateContent xmlns:mc="http://schemas.openxmlformats.org/markup-compatibility/2006" xmlns:a14="http://schemas.microsoft.com/office/drawing/2010/main">
+        <mc:Choice Requires="a14">
           <p:sp>
             <p:nvSpPr>
               <p:cNvPr id="3" name="Content Placeholder 2">
@@ -16365,7 +17365,7 @@
             </p:txBody>
           </p:sp>
         </mc:Choice>
-        <mc:Fallback>
+        <mc:Fallback xmlns="">
           <p:sp>
             <p:nvSpPr>
               <p:cNvPr id="3" name="Content Placeholder 2">
@@ -16467,8 +17467,8 @@
           </a:p>
         </p:txBody>
       </p:sp>
-      <mc:AlternateContent xmlns:mc="http://schemas.openxmlformats.org/markup-compatibility/2006">
-        <mc:Choice xmlns:a14="http://schemas.microsoft.com/office/drawing/2010/main" Requires="a14">
+      <mc:AlternateContent xmlns:mc="http://schemas.openxmlformats.org/markup-compatibility/2006" xmlns:a14="http://schemas.microsoft.com/office/drawing/2010/main">
+        <mc:Choice Requires="a14">
           <p:sp>
             <p:nvSpPr>
               <p:cNvPr id="3" name="Content Placeholder 2">
@@ -16807,7 +17807,7 @@
             </p:txBody>
           </p:sp>
         </mc:Choice>
-        <mc:Fallback>
+        <mc:Fallback xmlns="">
           <p:sp>
             <p:nvSpPr>
               <p:cNvPr id="3" name="Content Placeholder 2">

--- a/Chapter2_Algorithm_Analysis/slides/Chapter2_Algorithm_Analysis.pptx
+++ b/Chapter2_Algorithm_Analysis/slides/Chapter2_Algorithm_Analysis.pptx
@@ -6156,7 +6156,7 @@
           <a:p>
             <a:fld id="{E46FABD4-8113-4726-8979-3F798E899A77}" type="datetimeFigureOut">
               <a:rPr lang="en-US" smtClean="0"/>
-              <a:t>9/30/2022</a:t>
+              <a:t>11/25/2022</a:t>
             </a:fld>
             <a:endParaRPr lang="en-US"/>
           </a:p>
@@ -6354,7 +6354,7 @@
           <a:p>
             <a:fld id="{E46FABD4-8113-4726-8979-3F798E899A77}" type="datetimeFigureOut">
               <a:rPr lang="en-US" smtClean="0"/>
-              <a:t>9/30/2022</a:t>
+              <a:t>11/25/2022</a:t>
             </a:fld>
             <a:endParaRPr lang="en-US"/>
           </a:p>
@@ -6562,7 +6562,7 @@
           <a:p>
             <a:fld id="{E46FABD4-8113-4726-8979-3F798E899A77}" type="datetimeFigureOut">
               <a:rPr lang="en-US" smtClean="0"/>
-              <a:t>9/30/2022</a:t>
+              <a:t>11/25/2022</a:t>
             </a:fld>
             <a:endParaRPr lang="en-US"/>
           </a:p>
@@ -6760,7 +6760,7 @@
           <a:p>
             <a:fld id="{E46FABD4-8113-4726-8979-3F798E899A77}" type="datetimeFigureOut">
               <a:rPr lang="en-US" smtClean="0"/>
-              <a:t>9/30/2022</a:t>
+              <a:t>11/25/2022</a:t>
             </a:fld>
             <a:endParaRPr lang="en-US"/>
           </a:p>
@@ -7035,7 +7035,7 @@
           <a:p>
             <a:fld id="{E46FABD4-8113-4726-8979-3F798E899A77}" type="datetimeFigureOut">
               <a:rPr lang="en-US" smtClean="0"/>
-              <a:t>9/30/2022</a:t>
+              <a:t>11/25/2022</a:t>
             </a:fld>
             <a:endParaRPr lang="en-US"/>
           </a:p>
@@ -7300,7 +7300,7 @@
           <a:p>
             <a:fld id="{E46FABD4-8113-4726-8979-3F798E899A77}" type="datetimeFigureOut">
               <a:rPr lang="en-US" smtClean="0"/>
-              <a:t>9/30/2022</a:t>
+              <a:t>11/25/2022</a:t>
             </a:fld>
             <a:endParaRPr lang="en-US"/>
           </a:p>
@@ -7712,7 +7712,7 @@
           <a:p>
             <a:fld id="{E46FABD4-8113-4726-8979-3F798E899A77}" type="datetimeFigureOut">
               <a:rPr lang="en-US" smtClean="0"/>
-              <a:t>9/30/2022</a:t>
+              <a:t>11/25/2022</a:t>
             </a:fld>
             <a:endParaRPr lang="en-US"/>
           </a:p>
@@ -7853,7 +7853,7 @@
           <a:p>
             <a:fld id="{E46FABD4-8113-4726-8979-3F798E899A77}" type="datetimeFigureOut">
               <a:rPr lang="en-US" smtClean="0"/>
-              <a:t>9/30/2022</a:t>
+              <a:t>11/25/2022</a:t>
             </a:fld>
             <a:endParaRPr lang="en-US"/>
           </a:p>
@@ -7966,7 +7966,7 @@
           <a:p>
             <a:fld id="{E46FABD4-8113-4726-8979-3F798E899A77}" type="datetimeFigureOut">
               <a:rPr lang="en-US" smtClean="0"/>
-              <a:t>9/30/2022</a:t>
+              <a:t>11/25/2022</a:t>
             </a:fld>
             <a:endParaRPr lang="en-US"/>
           </a:p>
@@ -8277,7 +8277,7 @@
           <a:p>
             <a:fld id="{E46FABD4-8113-4726-8979-3F798E899A77}" type="datetimeFigureOut">
               <a:rPr lang="en-US" smtClean="0"/>
-              <a:t>9/30/2022</a:t>
+              <a:t>11/25/2022</a:t>
             </a:fld>
             <a:endParaRPr lang="en-US"/>
           </a:p>
@@ -8565,7 +8565,7 @@
           <a:p>
             <a:fld id="{E46FABD4-8113-4726-8979-3F798E899A77}" type="datetimeFigureOut">
               <a:rPr lang="en-US" smtClean="0"/>
-              <a:t>9/30/2022</a:t>
+              <a:t>11/25/2022</a:t>
             </a:fld>
             <a:endParaRPr lang="en-US"/>
           </a:p>
@@ -8806,7 +8806,7 @@
           <a:p>
             <a:fld id="{E46FABD4-8113-4726-8979-3F798E899A77}" type="datetimeFigureOut">
               <a:rPr lang="en-US" smtClean="0"/>
-              <a:t>9/30/2022</a:t>
+              <a:t>11/25/2022</a:t>
             </a:fld>
             <a:endParaRPr lang="en-US"/>
           </a:p>
@@ -11568,8 +11568,8 @@
           </a:p>
         </p:txBody>
       </p:sp>
-      <mc:AlternateContent xmlns:mc="http://schemas.openxmlformats.org/markup-compatibility/2006" xmlns:a14="http://schemas.microsoft.com/office/drawing/2010/main">
-        <mc:Choice Requires="a14">
+      <mc:AlternateContent xmlns:mc="http://schemas.openxmlformats.org/markup-compatibility/2006">
+        <mc:Choice xmlns:a14="http://schemas.microsoft.com/office/drawing/2010/main" Requires="a14">
           <p:sp>
             <p:nvSpPr>
               <p:cNvPr id="4" name="Content Placeholder 3">
@@ -11961,6 +11961,71 @@
                       </a:rPr>
                       <m:t>=</m:t>
                     </m:r>
+                    <m:func>
+                      <m:funcPr>
+                        <m:ctrlPr>
+                          <a:rPr lang="en-US" b="0" i="1" smtClean="0">
+                            <a:latin typeface="Cambria Math" panose="02040503050406030204" pitchFamily="18" charset="0"/>
+                          </a:rPr>
+                        </m:ctrlPr>
+                      </m:funcPr>
+                      <m:fName>
+                        <m:sSub>
+                          <m:sSubPr>
+                            <m:ctrlPr>
+                              <a:rPr lang="en-US" b="0" i="1" smtClean="0">
+                                <a:latin typeface="Cambria Math" panose="02040503050406030204" pitchFamily="18" charset="0"/>
+                              </a:rPr>
+                            </m:ctrlPr>
+                          </m:sSubPr>
+                          <m:e>
+                            <m:r>
+                              <m:rPr>
+                                <m:sty m:val="p"/>
+                              </m:rPr>
+                              <a:rPr lang="en-US" b="0" i="0" smtClean="0">
+                                <a:latin typeface="Cambria Math" panose="02040503050406030204" pitchFamily="18" charset="0"/>
+                              </a:rPr>
+                              <m:t>log</m:t>
+                            </m:r>
+                          </m:e>
+                          <m:sub>
+                            <m:r>
+                              <a:rPr lang="en-US" b="0" i="1" smtClean="0">
+                                <a:latin typeface="Cambria Math" panose="02040503050406030204" pitchFamily="18" charset="0"/>
+                              </a:rPr>
+                              <m:t>2</m:t>
+                            </m:r>
+                          </m:sub>
+                        </m:sSub>
+                      </m:fName>
+                      <m:e>
+                        <m:r>
+                          <a:rPr lang="en-US" b="0" i="1" smtClean="0">
+                            <a:latin typeface="Cambria Math" panose="02040503050406030204" pitchFamily="18" charset="0"/>
+                          </a:rPr>
+                          <m:t>(</m:t>
+                        </m:r>
+                        <m:r>
+                          <a:rPr lang="en-US" b="0" i="1" smtClean="0">
+                            <a:latin typeface="Cambria Math" panose="02040503050406030204" pitchFamily="18" charset="0"/>
+                          </a:rPr>
+                          <m:t>𝑛</m:t>
+                        </m:r>
+                        <m:r>
+                          <a:rPr lang="en-US" b="0" i="1" smtClean="0">
+                            <a:latin typeface="Cambria Math" panose="02040503050406030204" pitchFamily="18" charset="0"/>
+                          </a:rPr>
+                          <m:t>)</m:t>
+                        </m:r>
+                      </m:e>
+                    </m:func>
+                    <m:r>
+                      <a:rPr lang="en-US" b="0" i="1" smtClean="0">
+                        <a:latin typeface="Cambria Math" panose="02040503050406030204" pitchFamily="18" charset="0"/>
+                      </a:rPr>
+                      <m:t>=</m:t>
+                    </m:r>
                     <m:f>
                       <m:fPr>
                         <m:ctrlPr>
@@ -11973,40 +12038,21 @@
                         <m:func>
                           <m:funcPr>
                             <m:ctrlPr>
-                              <a:rPr lang="en-US" i="1">
+                              <a:rPr lang="en-US" b="0" i="1" smtClean="0">
                                 <a:latin typeface="Cambria Math" panose="02040503050406030204" pitchFamily="18" charset="0"/>
                               </a:rPr>
                             </m:ctrlPr>
                           </m:funcPr>
                           <m:fName>
-                            <m:sSub>
-                              <m:sSubPr>
-                                <m:ctrlPr>
-                                  <a:rPr lang="en-US" i="1">
-                                    <a:latin typeface="Cambria Math" panose="02040503050406030204" pitchFamily="18" charset="0"/>
-                                  </a:rPr>
-                                </m:ctrlPr>
-                              </m:sSubPr>
-                              <m:e>
-                                <m:r>
-                                  <m:rPr>
-                                    <m:sty m:val="p"/>
-                                  </m:rPr>
-                                  <a:rPr lang="en-US">
-                                    <a:latin typeface="Cambria Math" panose="02040503050406030204" pitchFamily="18" charset="0"/>
-                                  </a:rPr>
-                                  <m:t>log</m:t>
-                                </m:r>
-                              </m:e>
-                              <m:sub>
-                                <m:r>
-                                  <a:rPr lang="en-US" i="1">
-                                    <a:latin typeface="Cambria Math" panose="02040503050406030204" pitchFamily="18" charset="0"/>
-                                  </a:rPr>
-                                  <m:t>2</m:t>
-                                </m:r>
-                              </m:sub>
-                            </m:sSub>
+                            <m:r>
+                              <m:rPr>
+                                <m:sty m:val="p"/>
+                              </m:rPr>
+                              <a:rPr lang="en-US" b="0" i="0" smtClean="0">
+                                <a:latin typeface="Cambria Math" panose="02040503050406030204" pitchFamily="18" charset="0"/>
+                              </a:rPr>
+                              <m:t>log</m:t>
+                            </m:r>
                           </m:fName>
                           <m:e>
                             <m:r>
@@ -12040,34 +12086,15 @@
                             </m:ctrlPr>
                           </m:funcPr>
                           <m:fName>
-                            <m:sSub>
-                              <m:sSubPr>
-                                <m:ctrlPr>
-                                  <a:rPr lang="en-US" b="0" i="1" smtClean="0">
-                                    <a:latin typeface="Cambria Math" panose="02040503050406030204" pitchFamily="18" charset="0"/>
-                                  </a:rPr>
-                                </m:ctrlPr>
-                              </m:sSubPr>
-                              <m:e>
-                                <m:r>
-                                  <m:rPr>
-                                    <m:sty m:val="p"/>
-                                  </m:rPr>
-                                  <a:rPr lang="en-US" b="0" i="0" smtClean="0">
-                                    <a:latin typeface="Cambria Math" panose="02040503050406030204" pitchFamily="18" charset="0"/>
-                                  </a:rPr>
-                                  <m:t>log</m:t>
-                                </m:r>
-                              </m:e>
-                              <m:sub>
-                                <m:r>
-                                  <a:rPr lang="en-US" b="0" i="1" smtClean="0">
-                                    <a:latin typeface="Cambria Math" panose="02040503050406030204" pitchFamily="18" charset="0"/>
-                                  </a:rPr>
-                                  <m:t>2</m:t>
-                                </m:r>
-                              </m:sub>
-                            </m:sSub>
+                            <m:r>
+                              <m:rPr>
+                                <m:sty m:val="p"/>
+                              </m:rPr>
+                              <a:rPr lang="en-US" b="0" i="0" smtClean="0">
+                                <a:latin typeface="Cambria Math" panose="02040503050406030204" pitchFamily="18" charset="0"/>
+                              </a:rPr>
+                              <m:t>log</m:t>
+                            </m:r>
                           </m:fName>
                           <m:e>
                             <m:r>
@@ -12176,7 +12203,7 @@
             </p:txBody>
           </p:sp>
         </mc:Choice>
-        <mc:Fallback xmlns="">
+        <mc:Fallback>
           <p:sp>
             <p:nvSpPr>
               <p:cNvPr id="4" name="Content Placeholder 3">
@@ -12684,7 +12711,7 @@
         </p:style>
         <p:txBody>
           <a:bodyPr>
-            <a:normAutofit fontScale="92500" lnSpcReduction="20000"/>
+            <a:normAutofit fontScale="85000" lnSpcReduction="10000"/>
           </a:bodyPr>
           <a:lstStyle/>
           <a:p>
@@ -12727,8 +12754,8 @@
           </a:p>
         </p:txBody>
       </p:sp>
-      <mc:AlternateContent xmlns:mc="http://schemas.openxmlformats.org/markup-compatibility/2006">
-        <mc:Choice xmlns:a14="http://schemas.microsoft.com/office/drawing/2010/main" Requires="a14">
+      <mc:AlternateContent xmlns:mc="http://schemas.openxmlformats.org/markup-compatibility/2006" xmlns:a14="http://schemas.microsoft.com/office/drawing/2010/main">
+        <mc:Choice Requires="a14">
           <p:sp>
             <p:nvSpPr>
               <p:cNvPr id="4" name="TextBox 3">
@@ -12757,6 +12784,7 @@
               </a:bodyPr>
               <a:lstStyle/>
               <a:p>
+                <a:pPr/>
                 <a14:m>
                   <m:oMathPara xmlns:m="http://schemas.openxmlformats.org/officeDocument/2006/math">
                     <m:oMathParaPr>
@@ -12793,7 +12821,7 @@
             </p:txBody>
           </p:sp>
         </mc:Choice>
-        <mc:Fallback>
+        <mc:Fallback xmlns="">
           <p:sp>
             <p:nvSpPr>
               <p:cNvPr id="4" name="TextBox 3">
@@ -12887,8 +12915,8 @@
           </a:p>
         </p:txBody>
       </p:sp>
-      <mc:AlternateContent xmlns:mc="http://schemas.openxmlformats.org/markup-compatibility/2006">
-        <mc:Choice xmlns:a14="http://schemas.microsoft.com/office/drawing/2010/main" Requires="a14">
+      <mc:AlternateContent xmlns:mc="http://schemas.openxmlformats.org/markup-compatibility/2006" xmlns:a14="http://schemas.microsoft.com/office/drawing/2010/main">
+        <mc:Choice Requires="a14">
           <p:sp>
             <p:nvSpPr>
               <p:cNvPr id="6" name="TextBox 5">
@@ -12917,6 +12945,7 @@
               </a:bodyPr>
               <a:lstStyle/>
               <a:p>
+                <a:pPr/>
                 <a14:m>
                   <m:oMathPara xmlns:m="http://schemas.openxmlformats.org/officeDocument/2006/math">
                     <m:oMathParaPr>
@@ -12953,7 +12982,7 @@
             </p:txBody>
           </p:sp>
         </mc:Choice>
-        <mc:Fallback>
+        <mc:Fallback xmlns="">
           <p:sp>
             <p:nvSpPr>
               <p:cNvPr id="6" name="TextBox 5">
@@ -13073,7 +13102,7 @@
             </p:spPr>
             <p:txBody>
               <a:bodyPr>
-                <a:normAutofit fontScale="92500" lnSpcReduction="20000"/>
+                <a:normAutofit fontScale="85000" lnSpcReduction="10000"/>
               </a:bodyPr>
               <a:lstStyle/>
               <a:p>
@@ -13215,7 +13244,7 @@
                       <a:rPr lang="en-US" sz="2000" b="0" i="1" smtClean="0">
                         <a:latin typeface="Cambria Math" panose="02040503050406030204" pitchFamily="18" charset="0"/>
                       </a:rPr>
-                      <m:t>≫</m:t>
+                      <m:t>&gt;</m:t>
                     </m:r>
                     <m:r>
                       <a:rPr lang="en-US" sz="2000" b="0" i="1" smtClean="0">
@@ -13227,7 +13256,7 @@
                 </a14:m>
                 <a:r>
                   <a:rPr lang="en-US" sz="2000" dirty="0"/>
-                  <a:t> then we could also say:</a:t>
+                  <a:t> then we can also say:</a:t>
                 </a:r>
               </a:p>
               <a:p>
@@ -13322,7 +13351,21 @@
                 </a:r>
                 <a:r>
                   <a:rPr lang="en-US" sz="2000" dirty="0"/>
-                  <a:t>: Sorting the first list and then using binary search would be a better idea if </a:t>
+                  <a:t>: Sorting the first list and then using binary search would be a better idea if both </a:t>
+                </a:r>
+                <a14:m>
+                  <m:oMath xmlns:m="http://schemas.openxmlformats.org/officeDocument/2006/math">
+                    <m:r>
+                      <a:rPr lang="en-US" sz="2000" i="1" dirty="0" smtClean="0">
+                        <a:latin typeface="Cambria Math" panose="02040503050406030204" pitchFamily="18" charset="0"/>
+                      </a:rPr>
+                      <m:t>𝑛</m:t>
+                    </m:r>
+                  </m:oMath>
+                </a14:m>
+                <a:r>
+                  <a:rPr lang="en-US" sz="2000" dirty="0"/>
+                  <a:t> and </a:t>
                 </a:r>
                 <a14:m>
                   <m:oMath xmlns:m="http://schemas.openxmlformats.org/officeDocument/2006/math">
@@ -13336,7 +13379,7 @@
                 </a14:m>
                 <a:r>
                   <a:rPr lang="en-US" sz="2000" dirty="0"/>
-                  <a:t> is large.</a:t>
+                  <a:t> are very large.</a:t>
                 </a:r>
               </a:p>
             </p:txBody>
@@ -13367,7 +13410,7 @@
               <a:blipFill>
                 <a:blip r:embed="rId4"/>
                 <a:stretch>
-                  <a:fillRect l="-1059" t="-700"/>
+                  <a:fillRect l="-706" t="-140"/>
                 </a:stretch>
               </a:blipFill>
             </p:spPr>
@@ -14181,8 +14224,8 @@
           </a:p>
         </p:txBody>
       </p:sp>
-      <mc:AlternateContent xmlns:mc="http://schemas.openxmlformats.org/markup-compatibility/2006">
-        <mc:Choice xmlns:a14="http://schemas.microsoft.com/office/drawing/2010/main" Requires="a14">
+      <mc:AlternateContent xmlns:mc="http://schemas.openxmlformats.org/markup-compatibility/2006" xmlns:a14="http://schemas.microsoft.com/office/drawing/2010/main">
+        <mc:Choice Requires="a14">
           <p:sp>
             <p:nvSpPr>
               <p:cNvPr id="6" name="Content Placeholder 5">
@@ -14311,7 +14354,7 @@
             </p:txBody>
           </p:sp>
         </mc:Choice>
-        <mc:Fallback>
+        <mc:Fallback xmlns="">
           <p:sp>
             <p:nvSpPr>
               <p:cNvPr id="6" name="Content Placeholder 5">

--- a/Chapter2_Algorithm_Analysis/slides/Chapter2_Algorithm_Analysis.pptx
+++ b/Chapter2_Algorithm_Analysis/slides/Chapter2_Algorithm_Analysis.pptx
@@ -148,7 +148,7 @@
           <a:lstStyle/>
           <a:p>
             <a:pPr>
-              <a:defRPr sz="2128" b="1" i="0" u="none" strike="noStrike" kern="1200" spc="100" baseline="0">
+              <a:defRPr sz="1920" b="1" i="0" u="none" strike="noStrike" kern="1200" spc="100" baseline="0">
                 <a:solidFill>
                   <a:schemeClr val="lt1">
                     <a:lumMod val="95000"/>
@@ -186,7 +186,7 @@
         <a:lstStyle/>
         <a:p>
           <a:pPr>
-            <a:defRPr sz="2128" b="1" i="0" u="none" strike="noStrike" kern="1200" spc="100" baseline="0">
+            <a:defRPr sz="1920" b="1" i="0" u="none" strike="noStrike" kern="1200" spc="100" baseline="0">
               <a:solidFill>
                 <a:schemeClr val="lt1">
                   <a:lumMod val="95000"/>
@@ -560,7 +560,7 @@
           <c:smooth val="0"/>
           <c:extLst>
             <c:ext xmlns:c16="http://schemas.microsoft.com/office/drawing/2014/chart" uri="{C3380CC4-5D6E-409C-BE32-E72D297353CC}">
-              <c16:uniqueId val="{00000000-15A2-4FD3-94D6-E6C04E2B8A97}"/>
+              <c16:uniqueId val="{00000000-3E89-4535-9492-AAB42C6FE755}"/>
             </c:ext>
           </c:extLst>
         </c:ser>
@@ -909,7 +909,7 @@
             <c:numRef>
               <c:f>Sheet1!$C$2:$C$101</c:f>
               <c:numCache>
-                <c:formatCode>General</c:formatCode>
+                <c:formatCode>0.00</c:formatCode>
                 <c:ptCount val="100"/>
                 <c:pt idx="0">
                   <c:v>0</c:v>
@@ -1217,7 +1217,7 @@
           <c:smooth val="0"/>
           <c:extLst>
             <c:ext xmlns:c16="http://schemas.microsoft.com/office/drawing/2014/chart" uri="{C3380CC4-5D6E-409C-BE32-E72D297353CC}">
-              <c16:uniqueId val="{00000001-15A2-4FD3-94D6-E6C04E2B8A97}"/>
+              <c16:uniqueId val="{00000001-3E89-4535-9492-AAB42C6FE755}"/>
             </c:ext>
           </c:extLst>
         </c:ser>
@@ -1226,7 +1226,7 @@
           <c:order val="2"/>
           <c:tx>
             <c:strRef>
-              <c:f>Sheet1!$D$1</c:f>
+              <c:f>Sheet1!$E$1</c:f>
               <c:strCache>
                 <c:ptCount val="1"/>
                 <c:pt idx="0">
@@ -1564,9 +1564,9 @@
           </c:cat>
           <c:val>
             <c:numRef>
-              <c:f>Sheet1!$D$2:$D$101</c:f>
+              <c:f>Sheet1!$E$2:$E$101</c:f>
               <c:numCache>
-                <c:formatCode>General</c:formatCode>
+                <c:formatCode>0.00</c:formatCode>
                 <c:ptCount val="100"/>
                 <c:pt idx="0">
                   <c:v>0</c:v>
@@ -1874,7 +1874,7 @@
           <c:smooth val="0"/>
           <c:extLst>
             <c:ext xmlns:c16="http://schemas.microsoft.com/office/drawing/2014/chart" uri="{C3380CC4-5D6E-409C-BE32-E72D297353CC}">
-              <c16:uniqueId val="{00000002-15A2-4FD3-94D6-E6C04E2B8A97}"/>
+              <c16:uniqueId val="{00000002-3E89-4535-9492-AAB42C6FE755}"/>
             </c:ext>
           </c:extLst>
         </c:ser>
@@ -1883,7 +1883,7 @@
           <c:order val="3"/>
           <c:tx>
             <c:strRef>
-              <c:f>Sheet1!$E$1</c:f>
+              <c:f>Sheet1!$D$1</c:f>
               <c:strCache>
                 <c:ptCount val="1"/>
                 <c:pt idx="0">
@@ -2221,7 +2221,7 @@
           </c:cat>
           <c:val>
             <c:numRef>
-              <c:f>Sheet1!$E$2:$E$101</c:f>
+              <c:f>Sheet1!$D$2:$D$101</c:f>
               <c:numCache>
                 <c:formatCode>General</c:formatCode>
                 <c:ptCount val="100"/>
@@ -2531,7 +2531,7 @@
           <c:smooth val="0"/>
           <c:extLst>
             <c:ext xmlns:c16="http://schemas.microsoft.com/office/drawing/2014/chart" uri="{C3380CC4-5D6E-409C-BE32-E72D297353CC}">
-              <c16:uniqueId val="{00000003-15A2-4FD3-94D6-E6C04E2B8A97}"/>
+              <c16:uniqueId val="{00000003-3E89-4535-9492-AAB42C6FE755}"/>
             </c:ext>
           </c:extLst>
         </c:ser>
@@ -3188,7 +3188,7 @@
           <c:smooth val="0"/>
           <c:extLst>
             <c:ext xmlns:c16="http://schemas.microsoft.com/office/drawing/2014/chart" uri="{C3380CC4-5D6E-409C-BE32-E72D297353CC}">
-              <c16:uniqueId val="{00000004-15A2-4FD3-94D6-E6C04E2B8A97}"/>
+              <c16:uniqueId val="{00000004-3E89-4535-9492-AAB42C6FE755}"/>
             </c:ext>
           </c:extLst>
         </c:ser>
@@ -3845,7 +3845,7 @@
           <c:smooth val="0"/>
           <c:extLst>
             <c:ext xmlns:c16="http://schemas.microsoft.com/office/drawing/2014/chart" uri="{C3380CC4-5D6E-409C-BE32-E72D297353CC}">
-              <c16:uniqueId val="{00000005-15A2-4FD3-94D6-E6C04E2B8A97}"/>
+              <c16:uniqueId val="{00000005-3E89-4535-9492-AAB42C6FE755}"/>
             </c:ext>
           </c:extLst>
         </c:ser>
@@ -4502,7 +4502,7 @@
           <c:smooth val="0"/>
           <c:extLst>
             <c:ext xmlns:c16="http://schemas.microsoft.com/office/drawing/2014/chart" uri="{C3380CC4-5D6E-409C-BE32-E72D297353CC}">
-              <c16:uniqueId val="{00000006-15A2-4FD3-94D6-E6C04E2B8A97}"/>
+              <c16:uniqueId val="{00000006-3E89-4535-9492-AAB42C6FE755}"/>
             </c:ext>
           </c:extLst>
         </c:ser>
@@ -5161,7 +5161,7 @@
           <c:smooth val="0"/>
           <c:extLst>
             <c:ext xmlns:c16="http://schemas.microsoft.com/office/drawing/2014/chart" uri="{C3380CC4-5D6E-409C-BE32-E72D297353CC}">
-              <c16:uniqueId val="{00000007-15A2-4FD3-94D6-E6C04E2B8A97}"/>
+              <c16:uniqueId val="{00000007-3E89-4535-9492-AAB42C6FE755}"/>
             </c:ext>
           </c:extLst>
         </c:ser>
@@ -5191,7 +5191,7 @@
               <a:lstStyle/>
               <a:p>
                 <a:pPr>
-                  <a:defRPr sz="1197" b="1" i="0" u="none" strike="noStrike" kern="1200" cap="all" baseline="0">
+                  <a:defRPr sz="1600" b="1" i="0" u="none" strike="noStrike" kern="1200" cap="all" baseline="0">
                     <a:solidFill>
                       <a:schemeClr val="lt1">
                         <a:lumMod val="85000"/>
@@ -5222,7 +5222,7 @@
             <a:lstStyle/>
             <a:p>
               <a:pPr>
-                <a:defRPr sz="1197" b="1" i="0" u="none" strike="noStrike" kern="1200" cap="all" baseline="0">
+                <a:defRPr sz="1600" b="1" i="0" u="none" strike="noStrike" kern="1200" cap="all" baseline="0">
                   <a:solidFill>
                     <a:schemeClr val="lt1">
                       <a:lumMod val="85000"/>
@@ -5259,7 +5259,7 @@
           <a:lstStyle/>
           <a:p>
             <a:pPr>
-              <a:defRPr sz="1197" b="0" i="0" u="none" strike="noStrike" kern="1200" baseline="0">
+              <a:defRPr sz="1600" b="0" i="0" u="none" strike="noStrike" kern="1200" baseline="0">
                 <a:solidFill>
                   <a:schemeClr val="lt1">
                     <a:lumMod val="85000"/>
@@ -5278,13 +5278,15 @@
         <c:auto val="1"/>
         <c:lblAlgn val="ctr"/>
         <c:lblOffset val="100"/>
+        <c:tickLblSkip val="10"/>
+        <c:tickMarkSkip val="1"/>
         <c:noMultiLvlLbl val="0"/>
       </c:catAx>
       <c:valAx>
         <c:axId val="483993616"/>
         <c:scaling>
           <c:orientation val="minMax"/>
-          <c:max val="10000"/>
+          <c:max val="1000"/>
         </c:scaling>
         <c:delete val="0"/>
         <c:axPos val="l"/>
@@ -5309,7 +5311,7 @@
               <a:lstStyle/>
               <a:p>
                 <a:pPr>
-                  <a:defRPr sz="1197" b="1" i="0" u="none" strike="noStrike" kern="1200" cap="all" baseline="0">
+                  <a:defRPr sz="1600" b="1" i="0" u="none" strike="noStrike" kern="1200" cap="all" baseline="0">
                     <a:solidFill>
                       <a:schemeClr val="lt1">
                         <a:lumMod val="85000"/>
@@ -5322,7 +5324,7 @@
                 </a:pPr>
                 <a:r>
                   <a:rPr lang="en-US"/>
-                  <a:t>Time Complexity </a:t>
+                  <a:t>Run time (number of Operations) </a:t>
                 </a:r>
               </a:p>
             </c:rich>
@@ -5340,7 +5342,7 @@
             <a:lstStyle/>
             <a:p>
               <a:pPr>
-                <a:defRPr sz="1197" b="1" i="0" u="none" strike="noStrike" kern="1200" cap="all" baseline="0">
+                <a:defRPr sz="1600" b="1" i="0" u="none" strike="noStrike" kern="1200" cap="all" baseline="0">
                   <a:solidFill>
                     <a:schemeClr val="lt1">
                       <a:lumMod val="85000"/>
@@ -5371,7 +5373,7 @@
           <a:lstStyle/>
           <a:p>
             <a:pPr>
-              <a:defRPr sz="1197" b="0" i="0" u="none" strike="noStrike" kern="1200" baseline="0">
+              <a:defRPr sz="1600" b="0" i="0" u="none" strike="noStrike" kern="1200" baseline="0">
                 <a:solidFill>
                   <a:schemeClr val="lt1">
                     <a:lumMod val="85000"/>
@@ -5391,14 +5393,14 @@
       </c:valAx>
       <c:spPr>
         <a:noFill/>
-        <a:ln>
+        <a:ln w="25400">
           <a:noFill/>
         </a:ln>
         <a:effectLst/>
       </c:spPr>
     </c:plotArea>
     <c:legend>
-      <c:legendPos val="b"/>
+      <c:legendPos val="r"/>
       <c:overlay val="0"/>
       <c:spPr>
         <a:noFill/>
@@ -5412,7 +5414,7 @@
         <a:lstStyle/>
         <a:p>
           <a:pPr>
-            <a:defRPr sz="1197" b="0" i="0" u="none" strike="noStrike" kern="1200" baseline="0">
+            <a:defRPr sz="1600" b="0" i="0" u="none" strike="noStrike" kern="1200" baseline="0">
               <a:solidFill>
                 <a:schemeClr val="lt1">
                   <a:lumMod val="85000"/>
@@ -5462,7 +5464,7 @@
     <a:lstStyle/>
     <a:p>
       <a:pPr>
-        <a:defRPr/>
+        <a:defRPr sz="1600"/>
       </a:pPr>
       <a:endParaRPr lang="en-US"/>
     </a:p>
@@ -5524,7 +5526,7 @@
         <a:lumMod val="85000"/>
       </a:schemeClr>
     </cs:fontRef>
-    <cs:defRPr sz="1197" b="1" kern="1200" cap="all"/>
+    <cs:defRPr sz="900" b="1" kern="1200" cap="all"/>
   </cs:axisTitle>
   <cs:categoryAxis>
     <cs:lnRef idx="0"/>
@@ -5546,7 +5548,7 @@
         <a:round/>
       </a:ln>
     </cs:spPr>
-    <cs:defRPr sz="1197" kern="1200"/>
+    <cs:defRPr sz="900" kern="1200"/>
   </cs:categoryAxis>
   <cs:chartArea>
     <cs:lnRef idx="0"/>
@@ -5577,7 +5579,7 @@
         <a:tileRect/>
       </a:gradFill>
     </cs:spPr>
-    <cs:defRPr sz="1330" kern="1200"/>
+    <cs:defRPr sz="1000" kern="1200"/>
   </cs:chartArea>
   <cs:dataLabel>
     <cs:lnRef idx="0"/>
@@ -5588,7 +5590,7 @@
         <a:lumMod val="85000"/>
       </a:schemeClr>
     </cs:fontRef>
-    <cs:defRPr sz="1197" kern="1200"/>
+    <cs:defRPr sz="900" kern="1200"/>
   </cs:dataLabel>
   <cs:dataLabelCallout>
     <cs:lnRef idx="0"/>
@@ -5605,7 +5607,7 @@
         <a:schemeClr val="lt1"/>
       </a:solidFill>
     </cs:spPr>
-    <cs:defRPr sz="1197" kern="1200"/>
+    <cs:defRPr sz="900" kern="1200"/>
     <cs:bodyPr rot="0" spcFirstLastPara="1" vertOverflow="clip" horzOverflow="clip" vert="horz" wrap="square" lIns="36576" tIns="18288" rIns="36576" bIns="18288" anchor="ctr" anchorCtr="1">
       <a:spAutoFit/>
     </cs:bodyPr>
@@ -5706,7 +5708,7 @@
         </a:solidFill>
       </a:ln>
     </cs:spPr>
-    <cs:defRPr sz="1197" kern="1200"/>
+    <cs:defRPr sz="900" kern="1200"/>
   </cs:dataTable>
   <cs:downBar>
     <cs:lnRef idx="0"/>
@@ -5860,7 +5862,7 @@
         <a:lumMod val="85000"/>
       </a:schemeClr>
     </cs:fontRef>
-    <cs:defRPr sz="1197" kern="1200"/>
+    <cs:defRPr sz="900" kern="1200"/>
   </cs:legend>
   <cs:plotArea>
     <cs:lnRef idx="0"/>
@@ -5898,7 +5900,7 @@
         <a:round/>
       </a:ln>
     </cs:spPr>
-    <cs:defRPr sz="1197" kern="1200"/>
+    <cs:defRPr sz="900" kern="1200"/>
   </cs:seriesAxis>
   <cs:seriesLine>
     <cs:lnRef idx="0"/>
@@ -5928,7 +5930,7 @@
         <a:lumMod val="95000"/>
       </a:schemeClr>
     </cs:fontRef>
-    <cs:defRPr sz="2128" b="1" kern="1200" spc="100" baseline="0">
+    <cs:defRPr sz="1600" b="1" kern="1200" spc="100" baseline="0">
       <a:effectLst>
         <a:outerShdw blurRad="50800" dist="38100" dir="5400000" algn="t" rotWithShape="0">
           <a:prstClr val="black">
@@ -5964,7 +5966,7 @@
         <a:lumMod val="85000"/>
       </a:schemeClr>
     </cs:fontRef>
-    <cs:defRPr sz="1197" kern="1200"/>
+    <cs:defRPr sz="900" kern="1200"/>
   </cs:trendlineLabel>
   <cs:upBar>
     <cs:lnRef idx="0"/>
@@ -5996,7 +5998,7 @@
         <a:lumMod val="85000"/>
       </a:schemeClr>
     </cs:fontRef>
-    <cs:defRPr sz="1197" kern="1200"/>
+    <cs:defRPr sz="900" kern="1200"/>
   </cs:valueAxis>
   <cs:wall>
     <cs:lnRef idx="0"/>
@@ -6156,7 +6158,7 @@
           <a:p>
             <a:fld id="{E46FABD4-8113-4726-8979-3F798E899A77}" type="datetimeFigureOut">
               <a:rPr lang="en-US" smtClean="0"/>
-              <a:t>11/25/2022</a:t>
+              <a:t>2/20/2023</a:t>
             </a:fld>
             <a:endParaRPr lang="en-US"/>
           </a:p>
@@ -6354,7 +6356,7 @@
           <a:p>
             <a:fld id="{E46FABD4-8113-4726-8979-3F798E899A77}" type="datetimeFigureOut">
               <a:rPr lang="en-US" smtClean="0"/>
-              <a:t>11/25/2022</a:t>
+              <a:t>2/20/2023</a:t>
             </a:fld>
             <a:endParaRPr lang="en-US"/>
           </a:p>
@@ -6562,7 +6564,7 @@
           <a:p>
             <a:fld id="{E46FABD4-8113-4726-8979-3F798E899A77}" type="datetimeFigureOut">
               <a:rPr lang="en-US" smtClean="0"/>
-              <a:t>11/25/2022</a:t>
+              <a:t>2/20/2023</a:t>
             </a:fld>
             <a:endParaRPr lang="en-US"/>
           </a:p>
@@ -6760,7 +6762,7 @@
           <a:p>
             <a:fld id="{E46FABD4-8113-4726-8979-3F798E899A77}" type="datetimeFigureOut">
               <a:rPr lang="en-US" smtClean="0"/>
-              <a:t>11/25/2022</a:t>
+              <a:t>2/20/2023</a:t>
             </a:fld>
             <a:endParaRPr lang="en-US"/>
           </a:p>
@@ -7035,7 +7037,7 @@
           <a:p>
             <a:fld id="{E46FABD4-8113-4726-8979-3F798E899A77}" type="datetimeFigureOut">
               <a:rPr lang="en-US" smtClean="0"/>
-              <a:t>11/25/2022</a:t>
+              <a:t>2/20/2023</a:t>
             </a:fld>
             <a:endParaRPr lang="en-US"/>
           </a:p>
@@ -7300,7 +7302,7 @@
           <a:p>
             <a:fld id="{E46FABD4-8113-4726-8979-3F798E899A77}" type="datetimeFigureOut">
               <a:rPr lang="en-US" smtClean="0"/>
-              <a:t>11/25/2022</a:t>
+              <a:t>2/20/2023</a:t>
             </a:fld>
             <a:endParaRPr lang="en-US"/>
           </a:p>
@@ -7712,7 +7714,7 @@
           <a:p>
             <a:fld id="{E46FABD4-8113-4726-8979-3F798E899A77}" type="datetimeFigureOut">
               <a:rPr lang="en-US" smtClean="0"/>
-              <a:t>11/25/2022</a:t>
+              <a:t>2/20/2023</a:t>
             </a:fld>
             <a:endParaRPr lang="en-US"/>
           </a:p>
@@ -7853,7 +7855,7 @@
           <a:p>
             <a:fld id="{E46FABD4-8113-4726-8979-3F798E899A77}" type="datetimeFigureOut">
               <a:rPr lang="en-US" smtClean="0"/>
-              <a:t>11/25/2022</a:t>
+              <a:t>2/20/2023</a:t>
             </a:fld>
             <a:endParaRPr lang="en-US"/>
           </a:p>
@@ -7966,7 +7968,7 @@
           <a:p>
             <a:fld id="{E46FABD4-8113-4726-8979-3F798E899A77}" type="datetimeFigureOut">
               <a:rPr lang="en-US" smtClean="0"/>
-              <a:t>11/25/2022</a:t>
+              <a:t>2/20/2023</a:t>
             </a:fld>
             <a:endParaRPr lang="en-US"/>
           </a:p>
@@ -8277,7 +8279,7 @@
           <a:p>
             <a:fld id="{E46FABD4-8113-4726-8979-3F798E899A77}" type="datetimeFigureOut">
               <a:rPr lang="en-US" smtClean="0"/>
-              <a:t>11/25/2022</a:t>
+              <a:t>2/20/2023</a:t>
             </a:fld>
             <a:endParaRPr lang="en-US"/>
           </a:p>
@@ -8565,7 +8567,7 @@
           <a:p>
             <a:fld id="{E46FABD4-8113-4726-8979-3F798E899A77}" type="datetimeFigureOut">
               <a:rPr lang="en-US" smtClean="0"/>
-              <a:t>11/25/2022</a:t>
+              <a:t>2/20/2023</a:t>
             </a:fld>
             <a:endParaRPr lang="en-US"/>
           </a:p>
@@ -8806,7 +8808,7 @@
           <a:p>
             <a:fld id="{E46FABD4-8113-4726-8979-3F798E899A77}" type="datetimeFigureOut">
               <a:rPr lang="en-US" smtClean="0"/>
-              <a:t>11/25/2022</a:t>
+              <a:t>2/20/2023</a:t>
             </a:fld>
             <a:endParaRPr lang="en-US"/>
           </a:p>
@@ -11568,8 +11570,8 @@
           </a:p>
         </p:txBody>
       </p:sp>
-      <mc:AlternateContent xmlns:mc="http://schemas.openxmlformats.org/markup-compatibility/2006">
-        <mc:Choice xmlns:a14="http://schemas.microsoft.com/office/drawing/2010/main" Requires="a14">
+      <mc:AlternateContent xmlns:mc="http://schemas.openxmlformats.org/markup-compatibility/2006" xmlns:a14="http://schemas.microsoft.com/office/drawing/2010/main">
+        <mc:Choice Requires="a14">
           <p:sp>
             <p:nvSpPr>
               <p:cNvPr id="4" name="Content Placeholder 3">
@@ -12203,7 +12205,7 @@
             </p:txBody>
           </p:sp>
         </mc:Choice>
-        <mc:Fallback>
+        <mc:Fallback xmlns="">
           <p:sp>
             <p:nvSpPr>
               <p:cNvPr id="4" name="Content Placeholder 3">
@@ -13076,8 +13078,8 @@
           </a:p>
         </p:txBody>
       </p:sp>
-      <mc:AlternateContent xmlns:mc="http://schemas.openxmlformats.org/markup-compatibility/2006">
-        <mc:Choice xmlns:a14="http://schemas.microsoft.com/office/drawing/2010/main" Requires="a14">
+      <mc:AlternateContent xmlns:mc="http://schemas.openxmlformats.org/markup-compatibility/2006" xmlns:a14="http://schemas.microsoft.com/office/drawing/2010/main">
+        <mc:Choice Requires="a14">
           <p:sp>
             <p:nvSpPr>
               <p:cNvPr id="8" name="Content Placeholder 3">
@@ -13385,7 +13387,7 @@
             </p:txBody>
           </p:sp>
         </mc:Choice>
-        <mc:Fallback>
+        <mc:Fallback xmlns="">
           <p:sp>
             <p:nvSpPr>
               <p:cNvPr id="8" name="Content Placeholder 3">
@@ -14224,8 +14226,8 @@
           </a:p>
         </p:txBody>
       </p:sp>
-      <mc:AlternateContent xmlns:mc="http://schemas.openxmlformats.org/markup-compatibility/2006" xmlns:a14="http://schemas.microsoft.com/office/drawing/2010/main">
-        <mc:Choice Requires="a14">
+      <mc:AlternateContent xmlns:mc="http://schemas.openxmlformats.org/markup-compatibility/2006">
+        <mc:Choice xmlns:a14="http://schemas.microsoft.com/office/drawing/2010/main" Requires="a14">
           <p:sp>
             <p:nvSpPr>
               <p:cNvPr id="6" name="Content Placeholder 5">
@@ -14319,13 +14321,12 @@
               <a:p>
                 <a:r>
                   <a:rPr lang="en-US" sz="1900" b="1" dirty="0"/>
-                  <a:t>Big-Oh looks at the worst case. </a:t>
+                  <a:t>Big-O looks at the worst case. </a:t>
                 </a:r>
                 <a:r>
-                  <a:rPr lang="en-US" sz="1900"/>
+                  <a:rPr lang="en-US" sz="1900" dirty="0"/>
                   <a:t>Average case analysis is typically much harder to do.</a:t>
                 </a:r>
-                <a:endParaRPr lang="en-US" sz="1900" dirty="0"/>
               </a:p>
               <a:p>
                 <a:r>
@@ -14354,7 +14355,7 @@
             </p:txBody>
           </p:sp>
         </mc:Choice>
-        <mc:Fallback xmlns="">
+        <mc:Fallback>
           <p:sp>
             <p:nvSpPr>
               <p:cNvPr id="6" name="Content Placeholder 5">
@@ -14379,7 +14380,7 @@
               <a:blipFill>
                 <a:blip r:embed="rId2"/>
                 <a:stretch>
-                  <a:fillRect l="-545" t="-1479"/>
+                  <a:fillRect l="-545" t="-1479" r="-999"/>
                 </a:stretch>
               </a:blipFill>
             </p:spPr>
@@ -15258,8 +15259,8 @@
           </a:p>
         </p:txBody>
       </p:sp>
-      <mc:AlternateContent xmlns:mc="http://schemas.openxmlformats.org/markup-compatibility/2006" xmlns:a14="http://schemas.microsoft.com/office/drawing/2010/main">
-        <mc:Choice Requires="a14">
+      <mc:AlternateContent xmlns:mc="http://schemas.openxmlformats.org/markup-compatibility/2006">
+        <mc:Choice xmlns:a14="http://schemas.microsoft.com/office/drawing/2010/main" Requires="a14">
           <p:sp>
             <p:nvSpPr>
               <p:cNvPr id="3" name="Content Placeholder 2">
@@ -15296,14 +15297,14 @@
                 </a:pPr>
                 <a:r>
                   <a:rPr lang="en-US" sz="1900" b="1" dirty="0"/>
-                  <a:t>Big-Oh </a:t>
+                  <a:t>Big-O </a:t>
                 </a:r>
                 <a:br>
                   <a:rPr lang="en-US" sz="1900" b="1" dirty="0"/>
                 </a:br>
                 <a:r>
                   <a:rPr lang="en-US" sz="1900" b="1" dirty="0"/>
-                  <a:t>(upper bound = worst case, i.e. the growth in not more than f)</a:t>
+                  <a:t>(upper bound = worst case, i.e., the growth in not more than f)</a:t>
                 </a:r>
               </a:p>
               <a:p>
@@ -15544,7 +15545,7 @@
                 </a:br>
                 <a:r>
                   <a:rPr lang="en-US" sz="1900" dirty="0"/>
-                  <a:t>(lower bound, i.e. the growth in not less than g)</a:t>
+                  <a:t>(lower bound, i.e., the growth in not less than g)</a:t>
                 </a:r>
               </a:p>
               <a:p>
@@ -16051,7 +16052,7 @@
             </p:txBody>
           </p:sp>
         </mc:Choice>
-        <mc:Fallback xmlns="">
+        <mc:Fallback>
           <p:sp>
             <p:nvSpPr>
               <p:cNvPr id="3" name="Content Placeholder 2">
@@ -16237,8 +16238,8 @@
         </p:nvSpPr>
         <p:spPr>
           <a:xfrm>
-            <a:off x="9429323" y="3564872"/>
-            <a:ext cx="1572354" cy="369332"/>
+            <a:off x="8757665" y="3600967"/>
+            <a:ext cx="2244012" cy="369332"/>
           </a:xfrm>
           <a:prstGeom prst="rect">
             <a:avLst/>
@@ -16257,7 +16258,7 @@
                   <a:schemeClr val="accent6"/>
                 </a:solidFill>
               </a:rPr>
-              <a:t>Most common</a:t>
+              <a:t>Most commonly used</a:t>
             </a:r>
           </a:p>
         </p:txBody>
@@ -16366,53 +16367,123 @@
           </a:p>
         </p:txBody>
       </p:sp>
-      <p:sp>
-        <p:nvSpPr>
-          <p:cNvPr id="2" name="Title 1">
-            <a:extLst>
-              <a:ext uri="{FF2B5EF4-FFF2-40B4-BE49-F238E27FC236}">
-                <a16:creationId xmlns:a16="http://schemas.microsoft.com/office/drawing/2014/main" id="{622F2C8C-B828-A20B-204C-5DE71A5A18A9}"/>
-              </a:ext>
-            </a:extLst>
-          </p:cNvPr>
-          <p:cNvSpPr>
-            <a:spLocks noGrp="1"/>
-          </p:cNvSpPr>
-          <p:nvPr>
-            <p:ph type="title"/>
-          </p:nvPr>
-        </p:nvSpPr>
-        <p:spPr>
-          <a:xfrm>
-            <a:off x="1028700" y="1967266"/>
-            <a:ext cx="2628900" cy="2547257"/>
-          </a:xfrm>
-          <a:noFill/>
-        </p:spPr>
-        <p:txBody>
-          <a:bodyPr vert="horz" lIns="91440" tIns="45720" rIns="91440" bIns="45720" rtlCol="0" anchor="ctr">
-            <a:normAutofit/>
-          </a:bodyPr>
-          <a:lstStyle/>
-          <a:p>
-            <a:pPr algn="ctr"/>
-            <a:r>
-              <a:rPr lang="en-US" sz="3600" kern="1200" dirty="0">
-                <a:solidFill>
-                  <a:srgbClr val="FFFFFF"/>
-                </a:solidFill>
-                <a:latin typeface="+mj-lt"/>
-                <a:ea typeface="+mj-ea"/>
-                <a:cs typeface="+mj-cs"/>
-              </a:rPr>
-              <a:t>Comparison of different complexity functions f</a:t>
-            </a:r>
-          </a:p>
-        </p:txBody>
-      </p:sp>
+      <mc:AlternateContent xmlns:mc="http://schemas.openxmlformats.org/markup-compatibility/2006">
+        <mc:Choice xmlns:a14="http://schemas.microsoft.com/office/drawing/2010/main" Requires="a14">
+          <p:sp>
+            <p:nvSpPr>
+              <p:cNvPr id="2" name="Title 1">
+                <a:extLst>
+                  <a:ext uri="{FF2B5EF4-FFF2-40B4-BE49-F238E27FC236}">
+                    <a16:creationId xmlns:a16="http://schemas.microsoft.com/office/drawing/2014/main" id="{622F2C8C-B828-A20B-204C-5DE71A5A18A9}"/>
+                  </a:ext>
+                </a:extLst>
+              </p:cNvPr>
+              <p:cNvSpPr>
+                <a:spLocks noGrp="1"/>
+              </p:cNvSpPr>
+              <p:nvPr>
+                <p:ph type="title"/>
+              </p:nvPr>
+            </p:nvSpPr>
+            <p:spPr>
+              <a:xfrm>
+                <a:off x="1028700" y="1967266"/>
+                <a:ext cx="2628900" cy="2547257"/>
+              </a:xfrm>
+              <a:noFill/>
+            </p:spPr>
+            <p:txBody>
+              <a:bodyPr vert="horz" lIns="91440" tIns="45720" rIns="91440" bIns="45720" rtlCol="0" anchor="ctr">
+                <a:normAutofit/>
+              </a:bodyPr>
+              <a:lstStyle/>
+              <a:p>
+                <a:pPr algn="ctr"/>
+                <a:r>
+                  <a:rPr lang="en-US" sz="3600" kern="1200" dirty="0">
+                    <a:solidFill>
+                      <a:srgbClr val="FFFFFF"/>
+                    </a:solidFill>
+                    <a:latin typeface="+mj-lt"/>
+                    <a:ea typeface="+mj-ea"/>
+                    <a:cs typeface="+mj-cs"/>
+                  </a:rPr>
+                  <a:t>Comparison of different complexity functions </a:t>
+                </a:r>
+                <a14:m>
+                  <m:oMath xmlns:m="http://schemas.openxmlformats.org/officeDocument/2006/math">
+                    <m:r>
+                      <a:rPr lang="en-US" sz="3600" i="1" kern="1200" dirty="0" smtClean="0">
+                        <a:solidFill>
+                          <a:srgbClr val="FFFFFF"/>
+                        </a:solidFill>
+                        <a:latin typeface="Cambria Math" panose="02040503050406030204" pitchFamily="18" charset="0"/>
+                        <a:ea typeface="+mj-ea"/>
+                        <a:cs typeface="+mj-cs"/>
+                      </a:rPr>
+                      <m:t>𝑓</m:t>
+                    </m:r>
+                  </m:oMath>
+                </a14:m>
+                <a:endParaRPr lang="en-US" sz="3600" kern="1200" dirty="0">
+                  <a:solidFill>
+                    <a:srgbClr val="FFFFFF"/>
+                  </a:solidFill>
+                  <a:latin typeface="+mj-lt"/>
+                  <a:ea typeface="+mj-ea"/>
+                  <a:cs typeface="+mj-cs"/>
+                </a:endParaRPr>
+              </a:p>
+            </p:txBody>
+          </p:sp>
+        </mc:Choice>
+        <mc:Fallback>
+          <p:sp>
+            <p:nvSpPr>
+              <p:cNvPr id="2" name="Title 1">
+                <a:extLst>
+                  <a:ext uri="{FF2B5EF4-FFF2-40B4-BE49-F238E27FC236}">
+                    <a16:creationId xmlns:a16="http://schemas.microsoft.com/office/drawing/2014/main" id="{622F2C8C-B828-A20B-204C-5DE71A5A18A9}"/>
+                  </a:ext>
+                </a:extLst>
+              </p:cNvPr>
+              <p:cNvSpPr>
+                <a:spLocks noGrp="1" noRot="1" noChangeAspect="1" noMove="1" noResize="1" noEditPoints="1" noAdjustHandles="1" noChangeArrowheads="1" noChangeShapeType="1" noTextEdit="1"/>
+              </p:cNvSpPr>
+              <p:nvPr>
+                <p:ph type="title"/>
+              </p:nvPr>
+            </p:nvSpPr>
+            <p:spPr>
+              <a:xfrm>
+                <a:off x="1028700" y="1967266"/>
+                <a:ext cx="2628900" cy="2547257"/>
+              </a:xfrm>
+              <a:blipFill>
+                <a:blip r:embed="rId2"/>
+                <a:stretch>
+                  <a:fillRect l="-2784" r="-6265"/>
+                </a:stretch>
+              </a:blipFill>
+            </p:spPr>
+            <p:txBody>
+              <a:bodyPr/>
+              <a:lstStyle/>
+              <a:p>
+                <a:r>
+                  <a:rPr lang="en-US">
+                    <a:noFill/>
+                  </a:rPr>
+                  <a:t> </a:t>
+                </a:r>
+              </a:p>
+            </p:txBody>
+          </p:sp>
+        </mc:Fallback>
+      </mc:AlternateContent>
       <p:graphicFrame>
         <p:nvGraphicFramePr>
-          <p:cNvPr id="10" name="Content Placeholder 9">
+          <p:cNvPr id="3" name="Chart 2">
             <a:extLst>
               <a:ext uri="{FF2B5EF4-FFF2-40B4-BE49-F238E27FC236}">
                 <a16:creationId xmlns:a16="http://schemas.microsoft.com/office/drawing/2014/main" id="{3B613620-7FC8-0B94-5358-B15D02E4E66F}"/>
@@ -16420,27 +16491,172 @@
             </a:extLst>
           </p:cNvPr>
           <p:cNvGraphicFramePr>
-            <a:graphicFrameLocks noGrp="1"/>
+            <a:graphicFrameLocks/>
           </p:cNvGraphicFramePr>
           <p:nvPr>
-            <p:ph idx="1"/>
             <p:extLst>
               <p:ext uri="{D42A27DB-BD31-4B8C-83A1-F6EECF244321}">
-                <p14:modId xmlns:p14="http://schemas.microsoft.com/office/powerpoint/2010/main" val="3551077578"/>
+                <p14:modId xmlns:p14="http://schemas.microsoft.com/office/powerpoint/2010/main" val="2391950822"/>
               </p:ext>
             </p:extLst>
           </p:nvPr>
         </p:nvGraphicFramePr>
         <p:xfrm>
-          <a:off x="4752870" y="823964"/>
-          <a:ext cx="6963508" cy="5564014"/>
+          <a:off x="4407026" y="681037"/>
+          <a:ext cx="7067552" cy="5719763"/>
         </p:xfrm>
         <a:graphic>
           <a:graphicData uri="http://schemas.openxmlformats.org/drawingml/2006/chart">
-            <c:chart xmlns:c="http://schemas.openxmlformats.org/drawingml/2006/chart" xmlns:r="http://schemas.openxmlformats.org/officeDocument/2006/relationships" r:id="rId2"/>
+            <c:chart xmlns:c="http://schemas.openxmlformats.org/drawingml/2006/chart" xmlns:r="http://schemas.openxmlformats.org/officeDocument/2006/relationships" r:id="rId3"/>
           </a:graphicData>
         </a:graphic>
       </p:graphicFrame>
+      <p:sp>
+        <p:nvSpPr>
+          <p:cNvPr id="7" name="Speech Bubble: Rectangle with Corners Rounded 6">
+            <a:extLst>
+              <a:ext uri="{FF2B5EF4-FFF2-40B4-BE49-F238E27FC236}">
+                <a16:creationId xmlns:a16="http://schemas.microsoft.com/office/drawing/2014/main" id="{1E1EE9EE-1355-6EFF-CE84-8271E786E914}"/>
+              </a:ext>
+            </a:extLst>
+          </p:cNvPr>
+          <p:cNvSpPr/>
+          <p:nvPr/>
+        </p:nvSpPr>
+        <p:spPr>
+          <a:xfrm>
+            <a:off x="10505661" y="5799276"/>
+            <a:ext cx="1447652" cy="755374"/>
+          </a:xfrm>
+          <a:prstGeom prst="wedgeRoundRectCallout">
+            <a:avLst>
+              <a:gd name="adj1" fmla="val -85370"/>
+              <a:gd name="adj2" fmla="val -87500"/>
+              <a:gd name="adj3" fmla="val 16667"/>
+            </a:avLst>
+          </a:prstGeom>
+        </p:spPr>
+        <p:style>
+          <a:lnRef idx="3">
+            <a:schemeClr val="lt1"/>
+          </a:lnRef>
+          <a:fillRef idx="1">
+            <a:schemeClr val="accent2"/>
+          </a:fillRef>
+          <a:effectRef idx="1">
+            <a:schemeClr val="accent2"/>
+          </a:effectRef>
+          <a:fontRef idx="minor">
+            <a:schemeClr val="lt1"/>
+          </a:fontRef>
+        </p:style>
+        <p:txBody>
+          <a:bodyPr rtlCol="0" anchor="ctr"/>
+          <a:lstStyle/>
+          <a:p>
+            <a:pPr algn="ctr"/>
+            <a:r>
+              <a:rPr lang="en-US" dirty="0"/>
+              <a:t>Great!</a:t>
+            </a:r>
+          </a:p>
+        </p:txBody>
+      </p:sp>
+      <p:sp>
+        <p:nvSpPr>
+          <p:cNvPr id="8" name="Speech Bubble: Rectangle with Corners Rounded 7">
+            <a:extLst>
+              <a:ext uri="{FF2B5EF4-FFF2-40B4-BE49-F238E27FC236}">
+                <a16:creationId xmlns:a16="http://schemas.microsoft.com/office/drawing/2014/main" id="{4222C816-6D58-AA6A-F75B-89B161D6CEE5}"/>
+              </a:ext>
+            </a:extLst>
+          </p:cNvPr>
+          <p:cNvSpPr/>
+          <p:nvPr/>
+        </p:nvSpPr>
+        <p:spPr>
+          <a:xfrm>
+            <a:off x="2965067" y="79513"/>
+            <a:ext cx="1447652" cy="755374"/>
+          </a:xfrm>
+          <a:prstGeom prst="wedgeRoundRectCallout">
+            <a:avLst>
+              <a:gd name="adj1" fmla="val 135705"/>
+              <a:gd name="adj2" fmla="val 54605"/>
+              <a:gd name="adj3" fmla="val 16667"/>
+            </a:avLst>
+          </a:prstGeom>
+        </p:spPr>
+        <p:style>
+          <a:lnRef idx="3">
+            <a:schemeClr val="lt1"/>
+          </a:lnRef>
+          <a:fillRef idx="1">
+            <a:schemeClr val="accent2"/>
+          </a:fillRef>
+          <a:effectRef idx="1">
+            <a:schemeClr val="accent2"/>
+          </a:effectRef>
+          <a:fontRef idx="minor">
+            <a:schemeClr val="lt1"/>
+          </a:fontRef>
+        </p:style>
+        <p:txBody>
+          <a:bodyPr rtlCol="0" anchor="ctr"/>
+          <a:lstStyle/>
+          <a:p>
+            <a:pPr algn="ctr"/>
+            <a:r>
+              <a:rPr lang="en-US" dirty="0"/>
+              <a:t>Bad!</a:t>
+            </a:r>
+          </a:p>
+        </p:txBody>
+      </p:sp>
+      <p:sp>
+        <p:nvSpPr>
+          <p:cNvPr id="9" name="Right Brace 8">
+            <a:extLst>
+              <a:ext uri="{FF2B5EF4-FFF2-40B4-BE49-F238E27FC236}">
+                <a16:creationId xmlns:a16="http://schemas.microsoft.com/office/drawing/2014/main" id="{4C8F1A83-C75A-AD40-B38F-D07CD7F4A7FA}"/>
+              </a:ext>
+            </a:extLst>
+          </p:cNvPr>
+          <p:cNvSpPr/>
+          <p:nvPr/>
+        </p:nvSpPr>
+        <p:spPr>
+          <a:xfrm rot="16200000">
+            <a:off x="5612724" y="298424"/>
+            <a:ext cx="357808" cy="1520599"/>
+          </a:xfrm>
+          <a:prstGeom prst="rightBrace">
+            <a:avLst/>
+          </a:prstGeom>
+        </p:spPr>
+        <p:style>
+          <a:lnRef idx="3">
+            <a:schemeClr val="accent2"/>
+          </a:lnRef>
+          <a:fillRef idx="0">
+            <a:schemeClr val="accent2"/>
+          </a:fillRef>
+          <a:effectRef idx="2">
+            <a:schemeClr val="accent2"/>
+          </a:effectRef>
+          <a:fontRef idx="minor">
+            <a:schemeClr val="tx1"/>
+          </a:fontRef>
+        </p:style>
+        <p:txBody>
+          <a:bodyPr rtlCol="0" anchor="ctr"/>
+          <a:lstStyle/>
+          <a:p>
+            <a:pPr algn="ctr"/>
+            <a:endParaRPr lang="en-US"/>
+          </a:p>
+        </p:txBody>
+      </p:sp>
     </p:spTree>
     <p:extLst>
       <p:ext uri="{BB962C8B-B14F-4D97-AF65-F5344CB8AC3E}">
@@ -16494,13 +16710,13 @@
           <a:p>
             <a:r>
               <a:rPr lang="en-US" dirty="0"/>
-              <a:t>Some Rules</a:t>
+              <a:t>Some Rules </a:t>
             </a:r>
           </a:p>
         </p:txBody>
       </p:sp>
-      <mc:AlternateContent xmlns:mc="http://schemas.openxmlformats.org/markup-compatibility/2006" xmlns:a14="http://schemas.microsoft.com/office/drawing/2010/main">
-        <mc:Choice Requires="a14">
+      <mc:AlternateContent xmlns:mc="http://schemas.openxmlformats.org/markup-compatibility/2006">
+        <mc:Choice xmlns:a14="http://schemas.microsoft.com/office/drawing/2010/main" Requires="a14">
           <p:sp>
             <p:nvSpPr>
               <p:cNvPr id="3" name="Content Placeholder 2">
@@ -16519,8 +16735,8 @@
             </p:nvSpPr>
             <p:spPr>
               <a:xfrm>
-                <a:off x="838200" y="1825625"/>
-                <a:ext cx="10515600" cy="4532144"/>
+                <a:off x="838200" y="1441174"/>
+                <a:ext cx="10515600" cy="5051701"/>
               </a:xfrm>
             </p:spPr>
             <p:txBody>
@@ -16528,6 +16744,42 @@
                 <a:normAutofit fontScale="62500" lnSpcReduction="20000"/>
               </a:bodyPr>
               <a:lstStyle/>
+              <a:p>
+                <a:pPr marL="0" indent="0">
+                  <a:lnSpc>
+                    <a:spcPct val="120000"/>
+                  </a:lnSpc>
+                  <a:buNone/>
+                </a:pPr>
+                <a:r>
+                  <a:rPr lang="en-US" dirty="0"/>
+                  <a:t>We are interested in the growth for large values of </a:t>
+                </a:r>
+                <a14:m>
+                  <m:oMath xmlns:m="http://schemas.openxmlformats.org/officeDocument/2006/math">
+                    <m:r>
+                      <a:rPr lang="en-US" i="1" dirty="0" smtClean="0">
+                        <a:latin typeface="Cambria Math" panose="02040503050406030204" pitchFamily="18" charset="0"/>
+                      </a:rPr>
+                      <m:t>𝑁</m:t>
+                    </m:r>
+                  </m:oMath>
+                </a14:m>
+                <a:r>
+                  <a:rPr lang="en-US" dirty="0"/>
+                  <a:t>. We can therefore simplify things.</a:t>
+                </a:r>
+              </a:p>
+              <a:p>
+                <a:pPr marL="514350" indent="-514350">
+                  <a:lnSpc>
+                    <a:spcPct val="120000"/>
+                  </a:lnSpc>
+                  <a:buFont typeface="+mj-lt"/>
+                  <a:buAutoNum type="arabicPeriod"/>
+                </a:pPr>
+                <a:endParaRPr lang="en-US" dirty="0"/>
+              </a:p>
               <a:p>
                 <a:pPr marL="514350" indent="-514350">
                   <a:lnSpc>
@@ -17408,7 +17660,7 @@
             </p:txBody>
           </p:sp>
         </mc:Choice>
-        <mc:Fallback xmlns="">
+        <mc:Fallback>
           <p:sp>
             <p:nvSpPr>
               <p:cNvPr id="3" name="Content Placeholder 2">
@@ -17427,13 +17679,13 @@
             </p:nvSpPr>
             <p:spPr>
               <a:xfrm>
-                <a:off x="838200" y="1825625"/>
-                <a:ext cx="10515600" cy="4532144"/>
+                <a:off x="838200" y="1441174"/>
+                <a:ext cx="10515600" cy="5051701"/>
               </a:xfrm>
               <a:blipFill>
                 <a:blip r:embed="rId2"/>
                 <a:stretch>
-                  <a:fillRect l="-522" t="-672"/>
+                  <a:fillRect l="-522" t="-603" b="-965"/>
                 </a:stretch>
               </a:blipFill>
             </p:spPr>
